--- a/ANSRP-EcoMod-IPR/2021-10-19 Ecofutures IPR/Steissberg - ANSRP Eco Mod_IPR_FY22.pptx
+++ b/ANSRP-EcoMod-IPR/2021-10-19 Ecofutures IPR/Steissberg - ANSRP Eco Mod_IPR_FY22.pptx
@@ -261,7 +261,7 @@
           <a:p>
             <a:fld id="{2BD052F7-2DC3-4693-8BC5-AF35F29CE97E}" type="datetimeFigureOut">
               <a:rPr lang="en-US" smtClean="0"/>
-              <a:t>10/7/21</a:t>
+              <a:t>10/8/21</a:t>
             </a:fld>
             <a:endParaRPr lang="en-US"/>
           </a:p>
@@ -459,7 +459,7 @@
           <a:p>
             <a:fld id="{2BD052F7-2DC3-4693-8BC5-AF35F29CE97E}" type="datetimeFigureOut">
               <a:rPr lang="en-US" smtClean="0"/>
-              <a:t>10/7/21</a:t>
+              <a:t>10/8/21</a:t>
             </a:fld>
             <a:endParaRPr lang="en-US"/>
           </a:p>
@@ -667,7 +667,7 @@
           <a:p>
             <a:fld id="{2BD052F7-2DC3-4693-8BC5-AF35F29CE97E}" type="datetimeFigureOut">
               <a:rPr lang="en-US" smtClean="0"/>
-              <a:t>10/7/21</a:t>
+              <a:t>10/8/21</a:t>
             </a:fld>
             <a:endParaRPr lang="en-US"/>
           </a:p>
@@ -865,7 +865,7 @@
           <a:p>
             <a:fld id="{2BD052F7-2DC3-4693-8BC5-AF35F29CE97E}" type="datetimeFigureOut">
               <a:rPr lang="en-US" smtClean="0"/>
-              <a:t>10/7/21</a:t>
+              <a:t>10/8/21</a:t>
             </a:fld>
             <a:endParaRPr lang="en-US"/>
           </a:p>
@@ -1140,7 +1140,7 @@
           <a:p>
             <a:fld id="{2BD052F7-2DC3-4693-8BC5-AF35F29CE97E}" type="datetimeFigureOut">
               <a:rPr lang="en-US" smtClean="0"/>
-              <a:t>10/7/21</a:t>
+              <a:t>10/8/21</a:t>
             </a:fld>
             <a:endParaRPr lang="en-US"/>
           </a:p>
@@ -1405,7 +1405,7 @@
           <a:p>
             <a:fld id="{2BD052F7-2DC3-4693-8BC5-AF35F29CE97E}" type="datetimeFigureOut">
               <a:rPr lang="en-US" smtClean="0"/>
-              <a:t>10/7/21</a:t>
+              <a:t>10/8/21</a:t>
             </a:fld>
             <a:endParaRPr lang="en-US"/>
           </a:p>
@@ -1817,7 +1817,7 @@
           <a:p>
             <a:fld id="{2BD052F7-2DC3-4693-8BC5-AF35F29CE97E}" type="datetimeFigureOut">
               <a:rPr lang="en-US" smtClean="0"/>
-              <a:t>10/7/21</a:t>
+              <a:t>10/8/21</a:t>
             </a:fld>
             <a:endParaRPr lang="en-US"/>
           </a:p>
@@ -1958,7 +1958,7 @@
           <a:p>
             <a:fld id="{2BD052F7-2DC3-4693-8BC5-AF35F29CE97E}" type="datetimeFigureOut">
               <a:rPr lang="en-US" smtClean="0"/>
-              <a:t>10/7/21</a:t>
+              <a:t>10/8/21</a:t>
             </a:fld>
             <a:endParaRPr lang="en-US"/>
           </a:p>
@@ -2071,7 +2071,7 @@
           <a:p>
             <a:fld id="{2BD052F7-2DC3-4693-8BC5-AF35F29CE97E}" type="datetimeFigureOut">
               <a:rPr lang="en-US" smtClean="0"/>
-              <a:t>10/7/21</a:t>
+              <a:t>10/8/21</a:t>
             </a:fld>
             <a:endParaRPr lang="en-US"/>
           </a:p>
@@ -2382,7 +2382,7 @@
           <a:p>
             <a:fld id="{2BD052F7-2DC3-4693-8BC5-AF35F29CE97E}" type="datetimeFigureOut">
               <a:rPr lang="en-US" smtClean="0"/>
-              <a:t>10/7/21</a:t>
+              <a:t>10/8/21</a:t>
             </a:fld>
             <a:endParaRPr lang="en-US"/>
           </a:p>
@@ -2670,7 +2670,7 @@
           <a:p>
             <a:fld id="{2BD052F7-2DC3-4693-8BC5-AF35F29CE97E}" type="datetimeFigureOut">
               <a:rPr lang="en-US" smtClean="0"/>
-              <a:t>10/7/21</a:t>
+              <a:t>10/8/21</a:t>
             </a:fld>
             <a:endParaRPr lang="en-US"/>
           </a:p>
@@ -2911,7 +2911,7 @@
           <a:p>
             <a:fld id="{2BD052F7-2DC3-4693-8BC5-AF35F29CE97E}" type="datetimeFigureOut">
               <a:rPr lang="en-US" smtClean="0"/>
-              <a:t>10/7/21</a:t>
+              <a:t>10/8/21</a:t>
             </a:fld>
             <a:endParaRPr lang="en-US"/>
           </a:p>
@@ -7579,7 +7579,7 @@
         </p:nvSpPr>
         <p:spPr>
           <a:xfrm>
-            <a:off x="6208679" y="4435491"/>
+            <a:off x="6208679" y="3767672"/>
             <a:ext cx="3421201" cy="452432"/>
           </a:xfrm>
           <a:prstGeom prst="rect">
@@ -7777,11 +7777,17 @@
           <p:cNvGraphicFramePr>
             <a:graphicFrameLocks noGrp="1"/>
           </p:cNvGraphicFramePr>
-          <p:nvPr/>
+          <p:nvPr>
+            <p:extLst>
+              <p:ext uri="{D42A27DB-BD31-4B8C-83A1-F6EECF244321}">
+                <p14:modId xmlns:p14="http://schemas.microsoft.com/office/powerpoint/2010/main" val="311880763"/>
+              </p:ext>
+            </p:extLst>
+          </p:nvPr>
         </p:nvGraphicFramePr>
         <p:xfrm>
-          <a:off x="6211767" y="4940136"/>
-          <a:ext cx="4178650" cy="1483360"/>
+          <a:off x="6211767" y="4272317"/>
+          <a:ext cx="4178650" cy="1752600"/>
         </p:xfrm>
         <a:graphic>
           <a:graphicData uri="http://schemas.openxmlformats.org/drawingml/2006/table">
@@ -8058,6 +8064,12 @@
                         <a:t>FY22</a:t>
                       </a:r>
                     </a:p>
+                    <a:p>
+                      <a:r>
+                        <a:rPr lang="en-US" dirty="0"/>
+                        <a:t>FY23</a:t>
+                      </a:r>
+                    </a:p>
                   </a:txBody>
                   <a:tcPr/>
                 </a:tc>
@@ -8072,13 +8084,6 @@
                         <a:t>75</a:t>
                       </a:r>
                     </a:p>
-                  </a:txBody>
-                  <a:tcPr/>
-                </a:tc>
-                <a:tc>
-                  <a:txBody>
-                    <a:bodyPr/>
-                    <a:lstStyle/>
                     <a:p>
                       <a:pPr algn="r"/>
                       <a:r>
@@ -8100,19 +8105,55 @@
                         <a:t>75</a:t>
                       </a:r>
                     </a:p>
-                  </a:txBody>
-                  <a:tcPr/>
-                </a:tc>
-                <a:tc>
-                  <a:txBody>
-                    <a:bodyPr/>
-                    <a:lstStyle/>
                     <a:p>
                       <a:pPr algn="r"/>
                       <a:r>
                         <a:rPr lang="en-US" dirty="0"/>
                         <a:t>75</a:t>
                       </a:r>
+                    </a:p>
+                  </a:txBody>
+                  <a:tcPr/>
+                </a:tc>
+                <a:tc>
+                  <a:txBody>
+                    <a:bodyPr/>
+                    <a:lstStyle/>
+                    <a:p>
+                      <a:pPr algn="r"/>
+                      <a:r>
+                        <a:rPr lang="en-US" dirty="0"/>
+                        <a:t>75</a:t>
+                      </a:r>
+                    </a:p>
+                    <a:p>
+                      <a:pPr algn="r"/>
+                      <a:r>
+                        <a:rPr lang="en-US" dirty="0"/>
+                        <a:t>75</a:t>
+                      </a:r>
+                    </a:p>
+                  </a:txBody>
+                  <a:tcPr/>
+                </a:tc>
+                <a:tc>
+                  <a:txBody>
+                    <a:bodyPr/>
+                    <a:lstStyle/>
+                    <a:p>
+                      <a:pPr algn="r"/>
+                      <a:r>
+                        <a:rPr lang="en-US" dirty="0"/>
+                        <a:t>75</a:t>
+                      </a:r>
+                    </a:p>
+                    <a:p>
+                      <a:pPr algn="r"/>
+                      <a:r>
+                        <a:rPr lang="en-US"/>
+                        <a:t>75</a:t>
+                      </a:r>
+                      <a:endParaRPr lang="en-US" dirty="0"/>
                     </a:p>
                   </a:txBody>
                   <a:tcPr/>

--- a/ANSRP-EcoMod-IPR/2021-10-19 Ecofutures IPR/Steissberg - ANSRP Eco Mod_IPR_FY22.pptx
+++ b/ANSRP-EcoMod-IPR/2021-10-19 Ecofutures IPR/Steissberg - ANSRP Eco Mod_IPR_FY22.pptx
@@ -261,7 +261,7 @@
           <a:p>
             <a:fld id="{2BD052F7-2DC3-4693-8BC5-AF35F29CE97E}" type="datetimeFigureOut">
               <a:rPr lang="en-US" smtClean="0"/>
-              <a:t>10/8/21</a:t>
+              <a:t>10/12/21</a:t>
             </a:fld>
             <a:endParaRPr lang="en-US"/>
           </a:p>
@@ -459,7 +459,7 @@
           <a:p>
             <a:fld id="{2BD052F7-2DC3-4693-8BC5-AF35F29CE97E}" type="datetimeFigureOut">
               <a:rPr lang="en-US" smtClean="0"/>
-              <a:t>10/8/21</a:t>
+              <a:t>10/12/21</a:t>
             </a:fld>
             <a:endParaRPr lang="en-US"/>
           </a:p>
@@ -667,7 +667,7 @@
           <a:p>
             <a:fld id="{2BD052F7-2DC3-4693-8BC5-AF35F29CE97E}" type="datetimeFigureOut">
               <a:rPr lang="en-US" smtClean="0"/>
-              <a:t>10/8/21</a:t>
+              <a:t>10/12/21</a:t>
             </a:fld>
             <a:endParaRPr lang="en-US"/>
           </a:p>
@@ -865,7 +865,7 @@
           <a:p>
             <a:fld id="{2BD052F7-2DC3-4693-8BC5-AF35F29CE97E}" type="datetimeFigureOut">
               <a:rPr lang="en-US" smtClean="0"/>
-              <a:t>10/8/21</a:t>
+              <a:t>10/12/21</a:t>
             </a:fld>
             <a:endParaRPr lang="en-US"/>
           </a:p>
@@ -1140,7 +1140,7 @@
           <a:p>
             <a:fld id="{2BD052F7-2DC3-4693-8BC5-AF35F29CE97E}" type="datetimeFigureOut">
               <a:rPr lang="en-US" smtClean="0"/>
-              <a:t>10/8/21</a:t>
+              <a:t>10/12/21</a:t>
             </a:fld>
             <a:endParaRPr lang="en-US"/>
           </a:p>
@@ -1405,7 +1405,7 @@
           <a:p>
             <a:fld id="{2BD052F7-2DC3-4693-8BC5-AF35F29CE97E}" type="datetimeFigureOut">
               <a:rPr lang="en-US" smtClean="0"/>
-              <a:t>10/8/21</a:t>
+              <a:t>10/12/21</a:t>
             </a:fld>
             <a:endParaRPr lang="en-US"/>
           </a:p>
@@ -1817,7 +1817,7 @@
           <a:p>
             <a:fld id="{2BD052F7-2DC3-4693-8BC5-AF35F29CE97E}" type="datetimeFigureOut">
               <a:rPr lang="en-US" smtClean="0"/>
-              <a:t>10/8/21</a:t>
+              <a:t>10/12/21</a:t>
             </a:fld>
             <a:endParaRPr lang="en-US"/>
           </a:p>
@@ -1958,7 +1958,7 @@
           <a:p>
             <a:fld id="{2BD052F7-2DC3-4693-8BC5-AF35F29CE97E}" type="datetimeFigureOut">
               <a:rPr lang="en-US" smtClean="0"/>
-              <a:t>10/8/21</a:t>
+              <a:t>10/12/21</a:t>
             </a:fld>
             <a:endParaRPr lang="en-US"/>
           </a:p>
@@ -2071,7 +2071,7 @@
           <a:p>
             <a:fld id="{2BD052F7-2DC3-4693-8BC5-AF35F29CE97E}" type="datetimeFigureOut">
               <a:rPr lang="en-US" smtClean="0"/>
-              <a:t>10/8/21</a:t>
+              <a:t>10/12/21</a:t>
             </a:fld>
             <a:endParaRPr lang="en-US"/>
           </a:p>
@@ -2382,7 +2382,7 @@
           <a:p>
             <a:fld id="{2BD052F7-2DC3-4693-8BC5-AF35F29CE97E}" type="datetimeFigureOut">
               <a:rPr lang="en-US" smtClean="0"/>
-              <a:t>10/8/21</a:t>
+              <a:t>10/12/21</a:t>
             </a:fld>
             <a:endParaRPr lang="en-US"/>
           </a:p>
@@ -2670,7 +2670,7 @@
           <a:p>
             <a:fld id="{2BD052F7-2DC3-4693-8BC5-AF35F29CE97E}" type="datetimeFigureOut">
               <a:rPr lang="en-US" smtClean="0"/>
-              <a:t>10/8/21</a:t>
+              <a:t>10/12/21</a:t>
             </a:fld>
             <a:endParaRPr lang="en-US"/>
           </a:p>
@@ -2911,7 +2911,7 @@
           <a:p>
             <a:fld id="{2BD052F7-2DC3-4693-8BC5-AF35F29CE97E}" type="datetimeFigureOut">
               <a:rPr lang="en-US" smtClean="0"/>
-              <a:t>10/8/21</a:t>
+              <a:t>10/12/21</a:t>
             </a:fld>
             <a:endParaRPr lang="en-US"/>
           </a:p>
@@ -3436,7 +3436,7 @@
         </p:nvSpPr>
         <p:spPr>
           <a:xfrm>
-            <a:off x="6653049" y="4058687"/>
+            <a:off x="6550309" y="3462793"/>
             <a:ext cx="4974270" cy="410796"/>
           </a:xfrm>
           <a:prstGeom prst="rect">
@@ -3726,2192 +3726,6 @@
           </a:prstGeom>
         </p:spPr>
       </p:pic>
-      <p:graphicFrame>
-        <p:nvGraphicFramePr>
-          <p:cNvPr id="15" name="Content Placeholder 3"/>
-          <p:cNvGraphicFramePr>
-            <a:graphicFrameLocks/>
-          </p:cNvGraphicFramePr>
-          <p:nvPr>
-            <p:extLst>
-              <p:ext uri="{D42A27DB-BD31-4B8C-83A1-F6EECF244321}">
-                <p14:modId xmlns:p14="http://schemas.microsoft.com/office/powerpoint/2010/main" val="806562791"/>
-              </p:ext>
-            </p:extLst>
-          </p:nvPr>
-        </p:nvGraphicFramePr>
-        <p:xfrm>
-          <a:off x="6653051" y="4469483"/>
-          <a:ext cx="5414263" cy="1764902"/>
-        </p:xfrm>
-        <a:graphic>
-          <a:graphicData uri="http://schemas.openxmlformats.org/drawingml/2006/table">
-            <a:tbl>
-              <a:tblPr>
-                <a:tableStyleId>{5940675A-B579-460E-94D1-54222C63F5DA}</a:tableStyleId>
-              </a:tblPr>
-              <a:tblGrid>
-                <a:gridCol w="3235063">
-                  <a:extLst>
-                    <a:ext uri="{9D8B030D-6E8A-4147-A177-3AD203B41FA5}">
-                      <a16:colId xmlns:a16="http://schemas.microsoft.com/office/drawing/2014/main" val="734141498"/>
-                    </a:ext>
-                  </a:extLst>
-                </a:gridCol>
-                <a:gridCol w="136200">
-                  <a:extLst>
-                    <a:ext uri="{9D8B030D-6E8A-4147-A177-3AD203B41FA5}">
-                      <a16:colId xmlns:a16="http://schemas.microsoft.com/office/drawing/2014/main" val="3868478488"/>
-                    </a:ext>
-                  </a:extLst>
-                </a:gridCol>
-                <a:gridCol w="136200">
-                  <a:extLst>
-                    <a:ext uri="{9D8B030D-6E8A-4147-A177-3AD203B41FA5}">
-                      <a16:colId xmlns:a16="http://schemas.microsoft.com/office/drawing/2014/main" val="3345286309"/>
-                    </a:ext>
-                  </a:extLst>
-                </a:gridCol>
-                <a:gridCol w="136200">
-                  <a:extLst>
-                    <a:ext uri="{9D8B030D-6E8A-4147-A177-3AD203B41FA5}">
-                      <a16:colId xmlns:a16="http://schemas.microsoft.com/office/drawing/2014/main" val="1823511064"/>
-                    </a:ext>
-                  </a:extLst>
-                </a:gridCol>
-                <a:gridCol w="136200">
-                  <a:extLst>
-                    <a:ext uri="{9D8B030D-6E8A-4147-A177-3AD203B41FA5}">
-                      <a16:colId xmlns:a16="http://schemas.microsoft.com/office/drawing/2014/main" val="1722899074"/>
-                    </a:ext>
-                  </a:extLst>
-                </a:gridCol>
-                <a:gridCol w="136200">
-                  <a:extLst>
-                    <a:ext uri="{9D8B030D-6E8A-4147-A177-3AD203B41FA5}">
-                      <a16:colId xmlns:a16="http://schemas.microsoft.com/office/drawing/2014/main" val="2467013760"/>
-                    </a:ext>
-                  </a:extLst>
-                </a:gridCol>
-                <a:gridCol w="136200">
-                  <a:extLst>
-                    <a:ext uri="{9D8B030D-6E8A-4147-A177-3AD203B41FA5}">
-                      <a16:colId xmlns:a16="http://schemas.microsoft.com/office/drawing/2014/main" val="3964002062"/>
-                    </a:ext>
-                  </a:extLst>
-                </a:gridCol>
-                <a:gridCol w="136200">
-                  <a:extLst>
-                    <a:ext uri="{9D8B030D-6E8A-4147-A177-3AD203B41FA5}">
-                      <a16:colId xmlns:a16="http://schemas.microsoft.com/office/drawing/2014/main" val="893524154"/>
-                    </a:ext>
-                  </a:extLst>
-                </a:gridCol>
-                <a:gridCol w="136200">
-                  <a:extLst>
-                    <a:ext uri="{9D8B030D-6E8A-4147-A177-3AD203B41FA5}">
-                      <a16:colId xmlns:a16="http://schemas.microsoft.com/office/drawing/2014/main" val="2067059503"/>
-                    </a:ext>
-                  </a:extLst>
-                </a:gridCol>
-                <a:gridCol w="136200">
-                  <a:extLst>
-                    <a:ext uri="{9D8B030D-6E8A-4147-A177-3AD203B41FA5}">
-                      <a16:colId xmlns:a16="http://schemas.microsoft.com/office/drawing/2014/main" val="3332321544"/>
-                    </a:ext>
-                  </a:extLst>
-                </a:gridCol>
-                <a:gridCol w="136200">
-                  <a:extLst>
-                    <a:ext uri="{9D8B030D-6E8A-4147-A177-3AD203B41FA5}">
-                      <a16:colId xmlns:a16="http://schemas.microsoft.com/office/drawing/2014/main" val="1211246060"/>
-                    </a:ext>
-                  </a:extLst>
-                </a:gridCol>
-                <a:gridCol w="136200">
-                  <a:extLst>
-                    <a:ext uri="{9D8B030D-6E8A-4147-A177-3AD203B41FA5}">
-                      <a16:colId xmlns:a16="http://schemas.microsoft.com/office/drawing/2014/main" val="2943077133"/>
-                    </a:ext>
-                  </a:extLst>
-                </a:gridCol>
-                <a:gridCol w="136200">
-                  <a:extLst>
-                    <a:ext uri="{9D8B030D-6E8A-4147-A177-3AD203B41FA5}">
-                      <a16:colId xmlns:a16="http://schemas.microsoft.com/office/drawing/2014/main" val="4225260124"/>
-                    </a:ext>
-                  </a:extLst>
-                </a:gridCol>
-                <a:gridCol w="136200">
-                  <a:extLst>
-                    <a:ext uri="{9D8B030D-6E8A-4147-A177-3AD203B41FA5}">
-                      <a16:colId xmlns:a16="http://schemas.microsoft.com/office/drawing/2014/main" val="2386774497"/>
-                    </a:ext>
-                  </a:extLst>
-                </a:gridCol>
-                <a:gridCol w="136200">
-                  <a:extLst>
-                    <a:ext uri="{9D8B030D-6E8A-4147-A177-3AD203B41FA5}">
-                      <a16:colId xmlns:a16="http://schemas.microsoft.com/office/drawing/2014/main" val="1421540976"/>
-                    </a:ext>
-                  </a:extLst>
-                </a:gridCol>
-                <a:gridCol w="136200">
-                  <a:extLst>
-                    <a:ext uri="{9D8B030D-6E8A-4147-A177-3AD203B41FA5}">
-                      <a16:colId xmlns:a16="http://schemas.microsoft.com/office/drawing/2014/main" val="3149027058"/>
-                    </a:ext>
-                  </a:extLst>
-                </a:gridCol>
-                <a:gridCol w="136200">
-                  <a:extLst>
-                    <a:ext uri="{9D8B030D-6E8A-4147-A177-3AD203B41FA5}">
-                      <a16:colId xmlns:a16="http://schemas.microsoft.com/office/drawing/2014/main" val="3678259215"/>
-                    </a:ext>
-                  </a:extLst>
-                </a:gridCol>
-              </a:tblGrid>
-              <a:tr h="178465">
-                <a:tc>
-                  <a:txBody>
-                    <a:bodyPr/>
-                    <a:lstStyle/>
-                    <a:p>
-                      <a:pPr algn="l" rtl="0" fontAlgn="base"/>
-                      <a:r>
-                        <a:rPr lang="en-US" sz="1100" b="1" dirty="0">
-                          <a:effectLst/>
-                        </a:rPr>
-                        <a:t>Task </a:t>
-                      </a:r>
-                      <a:endParaRPr lang="en-US" sz="1600" b="1" i="0" dirty="0">
-                        <a:effectLst/>
-                      </a:endParaRPr>
-                    </a:p>
-                  </a:txBody>
-                  <a:tcPr marL="88502" marR="88502" marT="44251" marB="44251"/>
-                </a:tc>
-                <a:tc gridSpan="4">
-                  <a:txBody>
-                    <a:bodyPr/>
-                    <a:lstStyle/>
-                    <a:p>
-                      <a:pPr algn="l" rtl="0" fontAlgn="base"/>
-                      <a:r>
-                        <a:rPr lang="en-US" sz="1100" b="1" dirty="0">
-                          <a:effectLst/>
-                        </a:rPr>
-                        <a:t>FY20</a:t>
-                      </a:r>
-                      <a:endParaRPr lang="en-US" sz="1600" b="1" i="0" dirty="0">
-                        <a:effectLst/>
-                      </a:endParaRPr>
-                    </a:p>
-                  </a:txBody>
-                  <a:tcPr marL="88502" marR="88502" marT="44251" marB="44251"/>
-                </a:tc>
-                <a:tc hMerge="1">
-                  <a:txBody>
-                    <a:bodyPr/>
-                    <a:lstStyle/>
-                    <a:p>
-                      <a:endParaRPr lang="en-US"/>
-                    </a:p>
-                  </a:txBody>
-                  <a:tcPr/>
-                </a:tc>
-                <a:tc hMerge="1">
-                  <a:txBody>
-                    <a:bodyPr/>
-                    <a:lstStyle/>
-                    <a:p>
-                      <a:endParaRPr lang="en-US"/>
-                    </a:p>
-                  </a:txBody>
-                  <a:tcPr/>
-                </a:tc>
-                <a:tc hMerge="1">
-                  <a:txBody>
-                    <a:bodyPr/>
-                    <a:lstStyle/>
-                    <a:p>
-                      <a:endParaRPr lang="en-US"/>
-                    </a:p>
-                  </a:txBody>
-                  <a:tcPr/>
-                </a:tc>
-                <a:tc gridSpan="4">
-                  <a:txBody>
-                    <a:bodyPr/>
-                    <a:lstStyle/>
-                    <a:p>
-                      <a:pPr algn="l" rtl="0" fontAlgn="base"/>
-                      <a:r>
-                        <a:rPr lang="en-US" sz="1100" b="1" dirty="0">
-                          <a:effectLst/>
-                        </a:rPr>
-                        <a:t>FY21</a:t>
-                      </a:r>
-                      <a:endParaRPr lang="en-US" sz="1600" b="1" i="0" dirty="0">
-                        <a:effectLst/>
-                      </a:endParaRPr>
-                    </a:p>
-                  </a:txBody>
-                  <a:tcPr marL="88502" marR="88502" marT="44251" marB="44251"/>
-                </a:tc>
-                <a:tc hMerge="1">
-                  <a:txBody>
-                    <a:bodyPr/>
-                    <a:lstStyle/>
-                    <a:p>
-                      <a:endParaRPr lang="en-US"/>
-                    </a:p>
-                  </a:txBody>
-                  <a:tcPr/>
-                </a:tc>
-                <a:tc hMerge="1">
-                  <a:txBody>
-                    <a:bodyPr/>
-                    <a:lstStyle/>
-                    <a:p>
-                      <a:endParaRPr lang="en-US"/>
-                    </a:p>
-                  </a:txBody>
-                  <a:tcPr/>
-                </a:tc>
-                <a:tc hMerge="1">
-                  <a:txBody>
-                    <a:bodyPr/>
-                    <a:lstStyle/>
-                    <a:p>
-                      <a:endParaRPr lang="en-US"/>
-                    </a:p>
-                  </a:txBody>
-                  <a:tcPr/>
-                </a:tc>
-                <a:tc gridSpan="4">
-                  <a:txBody>
-                    <a:bodyPr/>
-                    <a:lstStyle/>
-                    <a:p>
-                      <a:pPr algn="l" rtl="0" fontAlgn="base"/>
-                      <a:r>
-                        <a:rPr lang="en-US" sz="1100" b="1" dirty="0">
-                          <a:effectLst/>
-                        </a:rPr>
-                        <a:t>FY22</a:t>
-                      </a:r>
-                      <a:endParaRPr lang="en-US" sz="1600" b="1" i="0" dirty="0">
-                        <a:effectLst/>
-                      </a:endParaRPr>
-                    </a:p>
-                  </a:txBody>
-                  <a:tcPr marL="88502" marR="88502" marT="44251" marB="44251"/>
-                </a:tc>
-                <a:tc hMerge="1">
-                  <a:txBody>
-                    <a:bodyPr/>
-                    <a:lstStyle/>
-                    <a:p>
-                      <a:endParaRPr lang="en-US"/>
-                    </a:p>
-                  </a:txBody>
-                  <a:tcPr/>
-                </a:tc>
-                <a:tc hMerge="1">
-                  <a:txBody>
-                    <a:bodyPr/>
-                    <a:lstStyle/>
-                    <a:p>
-                      <a:endParaRPr lang="en-US"/>
-                    </a:p>
-                  </a:txBody>
-                  <a:tcPr/>
-                </a:tc>
-                <a:tc hMerge="1">
-                  <a:txBody>
-                    <a:bodyPr/>
-                    <a:lstStyle/>
-                    <a:p>
-                      <a:endParaRPr lang="en-US"/>
-                    </a:p>
-                  </a:txBody>
-                  <a:tcPr/>
-                </a:tc>
-                <a:tc gridSpan="4">
-                  <a:txBody>
-                    <a:bodyPr/>
-                    <a:lstStyle/>
-                    <a:p>
-                      <a:pPr algn="l" rtl="0" fontAlgn="base"/>
-                      <a:r>
-                        <a:rPr lang="en-US" sz="1100" b="1" dirty="0">
-                          <a:effectLst/>
-                        </a:rPr>
-                        <a:t>FY23</a:t>
-                      </a:r>
-                      <a:endParaRPr lang="en-US" sz="1600" b="1" i="0" dirty="0">
-                        <a:effectLst/>
-                      </a:endParaRPr>
-                    </a:p>
-                  </a:txBody>
-                  <a:tcPr marL="88502" marR="88502" marT="44251" marB="44251"/>
-                </a:tc>
-                <a:tc hMerge="1">
-                  <a:txBody>
-                    <a:bodyPr/>
-                    <a:lstStyle/>
-                    <a:p>
-                      <a:endParaRPr lang="en-US"/>
-                    </a:p>
-                  </a:txBody>
-                  <a:tcPr/>
-                </a:tc>
-                <a:tc hMerge="1">
-                  <a:txBody>
-                    <a:bodyPr/>
-                    <a:lstStyle/>
-                    <a:p>
-                      <a:endParaRPr lang="en-US"/>
-                    </a:p>
-                  </a:txBody>
-                  <a:tcPr/>
-                </a:tc>
-                <a:tc hMerge="1">
-                  <a:txBody>
-                    <a:bodyPr/>
-                    <a:lstStyle/>
-                    <a:p>
-                      <a:endParaRPr lang="en-US"/>
-                    </a:p>
-                  </a:txBody>
-                  <a:tcPr/>
-                </a:tc>
-                <a:extLst>
-                  <a:ext uri="{0D108BD9-81ED-4DB2-BD59-A6C34878D82A}">
-                    <a16:rowId xmlns:a16="http://schemas.microsoft.com/office/drawing/2014/main" val="3860957667"/>
-                  </a:ext>
-                </a:extLst>
-              </a:tr>
-              <a:tr h="121401">
-                <a:tc>
-                  <a:txBody>
-                    <a:bodyPr/>
-                    <a:lstStyle/>
-                    <a:p>
-                      <a:pPr algn="l" rtl="0" fontAlgn="base"/>
-                      <a:r>
-                        <a:rPr lang="en-US" sz="1050" dirty="0">
-                          <a:effectLst/>
-                        </a:rPr>
-                        <a:t>1) </a:t>
-                      </a:r>
-                      <a:endParaRPr lang="en-US" sz="1600" b="0" i="0" dirty="0">
-                        <a:effectLst/>
-                      </a:endParaRPr>
-                    </a:p>
-                  </a:txBody>
-                  <a:tcPr marL="45720" marR="45720"/>
-                </a:tc>
-                <a:tc>
-                  <a:txBody>
-                    <a:bodyPr/>
-                    <a:lstStyle/>
-                    <a:p>
-                      <a:pPr algn="l" rtl="0" fontAlgn="base"/>
-                      <a:endParaRPr lang="en-US" sz="800" b="0" i="0" dirty="0">
-                        <a:effectLst/>
-                        <a:latin typeface="+mn-lt"/>
-                      </a:endParaRPr>
-                    </a:p>
-                  </a:txBody>
-                  <a:tcPr marL="45720" marR="45720"/>
-                </a:tc>
-                <a:tc>
-                  <a:txBody>
-                    <a:bodyPr/>
-                    <a:lstStyle/>
-                    <a:p>
-                      <a:pPr algn="l" rtl="0" fontAlgn="base"/>
-                      <a:endParaRPr lang="en-US" sz="800" b="0" i="0" dirty="0">
-                        <a:effectLst/>
-                        <a:latin typeface="+mn-lt"/>
-                      </a:endParaRPr>
-                    </a:p>
-                  </a:txBody>
-                  <a:tcPr marL="45720" marR="45720">
-                    <a:solidFill>
-                      <a:schemeClr val="accent5">
-                        <a:lumMod val="20000"/>
-                        <a:lumOff val="80000"/>
-                      </a:schemeClr>
-                    </a:solidFill>
-                  </a:tcPr>
-                </a:tc>
-                <a:tc>
-                  <a:txBody>
-                    <a:bodyPr/>
-                    <a:lstStyle/>
-                    <a:p>
-                      <a:pPr algn="l" rtl="0" fontAlgn="base"/>
-                      <a:endParaRPr lang="en-US" sz="800" b="0" i="0">
-                        <a:effectLst/>
-                        <a:latin typeface="+mn-lt"/>
-                      </a:endParaRPr>
-                    </a:p>
-                  </a:txBody>
-                  <a:tcPr marL="45720" marR="45720">
-                    <a:solidFill>
-                      <a:schemeClr val="accent5">
-                        <a:lumMod val="20000"/>
-                        <a:lumOff val="80000"/>
-                      </a:schemeClr>
-                    </a:solidFill>
-                  </a:tcPr>
-                </a:tc>
-                <a:tc>
-                  <a:txBody>
-                    <a:bodyPr/>
-                    <a:lstStyle/>
-                    <a:p>
-                      <a:pPr algn="l" rtl="0" fontAlgn="base"/>
-                      <a:endParaRPr lang="en-US" sz="800" b="0" i="0">
-                        <a:effectLst/>
-                        <a:latin typeface="+mn-lt"/>
-                      </a:endParaRPr>
-                    </a:p>
-                  </a:txBody>
-                  <a:tcPr marL="45720" marR="45720">
-                    <a:solidFill>
-                      <a:schemeClr val="accent5">
-                        <a:lumMod val="20000"/>
-                        <a:lumOff val="80000"/>
-                      </a:schemeClr>
-                    </a:solidFill>
-                  </a:tcPr>
-                </a:tc>
-                <a:tc>
-                  <a:txBody>
-                    <a:bodyPr/>
-                    <a:lstStyle/>
-                    <a:p>
-                      <a:pPr algn="l" rtl="0" fontAlgn="base"/>
-                      <a:endParaRPr lang="en-US" sz="800" b="0" i="0" dirty="0">
-                        <a:effectLst/>
-                        <a:latin typeface="+mn-lt"/>
-                      </a:endParaRPr>
-                    </a:p>
-                  </a:txBody>
-                  <a:tcPr marL="45720" marR="45720">
-                    <a:solidFill>
-                      <a:schemeClr val="accent5">
-                        <a:lumMod val="20000"/>
-                        <a:lumOff val="80000"/>
-                      </a:schemeClr>
-                    </a:solidFill>
-                  </a:tcPr>
-                </a:tc>
-                <a:tc>
-                  <a:txBody>
-                    <a:bodyPr/>
-                    <a:lstStyle/>
-                    <a:p>
-                      <a:pPr algn="l" rtl="0" fontAlgn="base"/>
-                      <a:endParaRPr lang="en-US" sz="800" b="0" i="0" dirty="0">
-                        <a:effectLst/>
-                        <a:latin typeface="+mn-lt"/>
-                      </a:endParaRPr>
-                    </a:p>
-                  </a:txBody>
-                  <a:tcPr marL="45720" marR="45720"/>
-                </a:tc>
-                <a:tc>
-                  <a:txBody>
-                    <a:bodyPr/>
-                    <a:lstStyle/>
-                    <a:p>
-                      <a:pPr algn="l" rtl="0" fontAlgn="base"/>
-                      <a:endParaRPr lang="en-US" sz="800" b="0" i="0" dirty="0">
-                        <a:effectLst/>
-                        <a:latin typeface="+mn-lt"/>
-                      </a:endParaRPr>
-                    </a:p>
-                  </a:txBody>
-                  <a:tcPr marL="45720" marR="45720"/>
-                </a:tc>
-                <a:tc>
-                  <a:txBody>
-                    <a:bodyPr/>
-                    <a:lstStyle/>
-                    <a:p>
-                      <a:pPr algn="l" rtl="0" fontAlgn="base"/>
-                      <a:endParaRPr lang="en-US" sz="800" b="0" i="0">
-                        <a:effectLst/>
-                        <a:latin typeface="+mn-lt"/>
-                      </a:endParaRPr>
-                    </a:p>
-                  </a:txBody>
-                  <a:tcPr marL="45720" marR="45720"/>
-                </a:tc>
-                <a:tc>
-                  <a:txBody>
-                    <a:bodyPr/>
-                    <a:lstStyle/>
-                    <a:p>
-                      <a:pPr algn="l" rtl="0" fontAlgn="base"/>
-                      <a:endParaRPr lang="en-US" sz="800" b="0" i="0">
-                        <a:effectLst/>
-                        <a:latin typeface="+mn-lt"/>
-                      </a:endParaRPr>
-                    </a:p>
-                  </a:txBody>
-                  <a:tcPr marL="45720" marR="45720"/>
-                </a:tc>
-                <a:tc>
-                  <a:txBody>
-                    <a:bodyPr/>
-                    <a:lstStyle/>
-                    <a:p>
-                      <a:pPr algn="l" rtl="0" fontAlgn="base"/>
-                      <a:endParaRPr lang="en-US" sz="800" b="0" i="0">
-                        <a:effectLst/>
-                        <a:latin typeface="+mn-lt"/>
-                      </a:endParaRPr>
-                    </a:p>
-                  </a:txBody>
-                  <a:tcPr marL="45720" marR="45720"/>
-                </a:tc>
-                <a:tc>
-                  <a:txBody>
-                    <a:bodyPr/>
-                    <a:lstStyle/>
-                    <a:p>
-                      <a:pPr algn="l" rtl="0" fontAlgn="base"/>
-                      <a:endParaRPr lang="en-US" sz="800" b="0" i="0">
-                        <a:effectLst/>
-                        <a:latin typeface="+mn-lt"/>
-                      </a:endParaRPr>
-                    </a:p>
-                  </a:txBody>
-                  <a:tcPr marL="45720" marR="45720"/>
-                </a:tc>
-                <a:tc>
-                  <a:txBody>
-                    <a:bodyPr/>
-                    <a:lstStyle/>
-                    <a:p>
-                      <a:pPr algn="l" rtl="0" fontAlgn="base"/>
-                      <a:endParaRPr lang="en-US" sz="800" b="0" i="0">
-                        <a:effectLst/>
-                        <a:latin typeface="+mn-lt"/>
-                      </a:endParaRPr>
-                    </a:p>
-                  </a:txBody>
-                  <a:tcPr marL="45720" marR="45720"/>
-                </a:tc>
-                <a:tc>
-                  <a:txBody>
-                    <a:bodyPr/>
-                    <a:lstStyle/>
-                    <a:p>
-                      <a:pPr algn="l" rtl="0" fontAlgn="base"/>
-                      <a:endParaRPr lang="en-US" sz="800" b="0" i="0">
-                        <a:effectLst/>
-                        <a:latin typeface="+mn-lt"/>
-                      </a:endParaRPr>
-                    </a:p>
-                  </a:txBody>
-                  <a:tcPr marL="45720" marR="45720"/>
-                </a:tc>
-                <a:tc>
-                  <a:txBody>
-                    <a:bodyPr/>
-                    <a:lstStyle/>
-                    <a:p>
-                      <a:pPr algn="l" rtl="0" fontAlgn="base"/>
-                      <a:endParaRPr lang="en-US" sz="800" b="0" i="0">
-                        <a:effectLst/>
-                        <a:latin typeface="+mn-lt"/>
-                      </a:endParaRPr>
-                    </a:p>
-                  </a:txBody>
-                  <a:tcPr marL="45720" marR="45720"/>
-                </a:tc>
-                <a:tc>
-                  <a:txBody>
-                    <a:bodyPr/>
-                    <a:lstStyle/>
-                    <a:p>
-                      <a:pPr algn="l" rtl="0" fontAlgn="base"/>
-                      <a:endParaRPr lang="en-US" sz="800" b="0" i="0">
-                        <a:effectLst/>
-                        <a:latin typeface="+mn-lt"/>
-                      </a:endParaRPr>
-                    </a:p>
-                  </a:txBody>
-                  <a:tcPr marL="45720" marR="45720"/>
-                </a:tc>
-                <a:tc>
-                  <a:txBody>
-                    <a:bodyPr/>
-                    <a:lstStyle/>
-                    <a:p>
-                      <a:pPr algn="l" rtl="0" fontAlgn="base"/>
-                      <a:endParaRPr lang="en-US" sz="800" b="0" i="0" dirty="0">
-                        <a:effectLst/>
-                        <a:latin typeface="+mn-lt"/>
-                      </a:endParaRPr>
-                    </a:p>
-                  </a:txBody>
-                  <a:tcPr marL="45720" marR="45720"/>
-                </a:tc>
-                <a:extLst>
-                  <a:ext uri="{0D108BD9-81ED-4DB2-BD59-A6C34878D82A}">
-                    <a16:rowId xmlns:a16="http://schemas.microsoft.com/office/drawing/2014/main" val="1093505138"/>
-                  </a:ext>
-                </a:extLst>
-              </a:tr>
-              <a:tr h="223232">
-                <a:tc>
-                  <a:txBody>
-                    <a:bodyPr/>
-                    <a:lstStyle/>
-                    <a:p>
-                      <a:pPr algn="l" rtl="0" fontAlgn="base"/>
-                      <a:r>
-                        <a:rPr lang="en-US" sz="1050" dirty="0">
-                          <a:effectLst/>
-                        </a:rPr>
-                        <a:t>2) </a:t>
-                      </a:r>
-                      <a:endParaRPr lang="en-US" sz="1600" b="0" i="0" dirty="0">
-                        <a:effectLst/>
-                      </a:endParaRPr>
-                    </a:p>
-                  </a:txBody>
-                  <a:tcPr marL="45720" marR="45720"/>
-                </a:tc>
-                <a:tc>
-                  <a:txBody>
-                    <a:bodyPr/>
-                    <a:lstStyle/>
-                    <a:p>
-                      <a:pPr algn="l" rtl="0" fontAlgn="base"/>
-                      <a:r>
-                        <a:rPr lang="en-US" sz="800">
-                          <a:effectLst/>
-                          <a:latin typeface="+mn-lt"/>
-                        </a:rPr>
-                        <a:t> </a:t>
-                      </a:r>
-                      <a:endParaRPr lang="en-US" sz="800" b="0" i="0">
-                        <a:effectLst/>
-                        <a:latin typeface="+mn-lt"/>
-                      </a:endParaRPr>
-                    </a:p>
-                  </a:txBody>
-                  <a:tcPr marL="45720" marR="45720"/>
-                </a:tc>
-                <a:tc>
-                  <a:txBody>
-                    <a:bodyPr/>
-                    <a:lstStyle/>
-                    <a:p>
-                      <a:pPr algn="l" rtl="0" fontAlgn="base"/>
-                      <a:r>
-                        <a:rPr lang="en-US" sz="800">
-                          <a:effectLst/>
-                          <a:latin typeface="+mn-lt"/>
-                        </a:rPr>
-                        <a:t> </a:t>
-                      </a:r>
-                      <a:endParaRPr lang="en-US" sz="800" b="0" i="0">
-                        <a:effectLst/>
-                        <a:latin typeface="+mn-lt"/>
-                      </a:endParaRPr>
-                    </a:p>
-                  </a:txBody>
-                  <a:tcPr marL="45720" marR="45720"/>
-                </a:tc>
-                <a:tc>
-                  <a:txBody>
-                    <a:bodyPr/>
-                    <a:lstStyle/>
-                    <a:p>
-                      <a:pPr algn="l" rtl="0" fontAlgn="base"/>
-                      <a:endParaRPr lang="en-US" sz="800" b="0" i="0" dirty="0">
-                        <a:effectLst/>
-                        <a:latin typeface="+mn-lt"/>
-                      </a:endParaRPr>
-                    </a:p>
-                  </a:txBody>
-                  <a:tcPr marL="45720" marR="45720">
-                    <a:solidFill>
-                      <a:schemeClr val="accent5">
-                        <a:lumMod val="40000"/>
-                        <a:lumOff val="60000"/>
-                      </a:schemeClr>
-                    </a:solidFill>
-                  </a:tcPr>
-                </a:tc>
-                <a:tc>
-                  <a:txBody>
-                    <a:bodyPr/>
-                    <a:lstStyle/>
-                    <a:p>
-                      <a:pPr algn="l" rtl="0" fontAlgn="base"/>
-                      <a:endParaRPr lang="en-US" sz="800" b="0" i="0" dirty="0">
-                        <a:effectLst/>
-                        <a:latin typeface="+mn-lt"/>
-                      </a:endParaRPr>
-                    </a:p>
-                  </a:txBody>
-                  <a:tcPr marL="45720" marR="45720">
-                    <a:solidFill>
-                      <a:schemeClr val="accent5">
-                        <a:lumMod val="40000"/>
-                        <a:lumOff val="60000"/>
-                      </a:schemeClr>
-                    </a:solidFill>
-                  </a:tcPr>
-                </a:tc>
-                <a:tc>
-                  <a:txBody>
-                    <a:bodyPr/>
-                    <a:lstStyle/>
-                    <a:p>
-                      <a:pPr algn="l" rtl="0" fontAlgn="base"/>
-                      <a:endParaRPr lang="en-US" sz="800" b="0" i="0" dirty="0">
-                        <a:effectLst/>
-                        <a:latin typeface="+mn-lt"/>
-                      </a:endParaRPr>
-                    </a:p>
-                  </a:txBody>
-                  <a:tcPr marL="45720" marR="45720">
-                    <a:solidFill>
-                      <a:schemeClr val="accent5">
-                        <a:lumMod val="40000"/>
-                        <a:lumOff val="60000"/>
-                      </a:schemeClr>
-                    </a:solidFill>
-                  </a:tcPr>
-                </a:tc>
-                <a:tc>
-                  <a:txBody>
-                    <a:bodyPr/>
-                    <a:lstStyle/>
-                    <a:p>
-                      <a:pPr algn="l" rtl="0" fontAlgn="base"/>
-                      <a:endParaRPr lang="en-US" sz="800" b="0" i="0" dirty="0">
-                        <a:effectLst/>
-                        <a:latin typeface="+mn-lt"/>
-                      </a:endParaRPr>
-                    </a:p>
-                  </a:txBody>
-                  <a:tcPr marL="45720" marR="45720">
-                    <a:solidFill>
-                      <a:schemeClr val="accent5">
-                        <a:lumMod val="40000"/>
-                        <a:lumOff val="60000"/>
-                      </a:schemeClr>
-                    </a:solidFill>
-                  </a:tcPr>
-                </a:tc>
-                <a:tc>
-                  <a:txBody>
-                    <a:bodyPr/>
-                    <a:lstStyle/>
-                    <a:p>
-                      <a:pPr algn="l" rtl="0" fontAlgn="base"/>
-                      <a:endParaRPr lang="en-US" sz="800" b="0" i="0" dirty="0">
-                        <a:effectLst/>
-                        <a:latin typeface="+mn-lt"/>
-                      </a:endParaRPr>
-                    </a:p>
-                  </a:txBody>
-                  <a:tcPr marL="45720" marR="45720">
-                    <a:solidFill>
-                      <a:schemeClr val="accent5">
-                        <a:lumMod val="40000"/>
-                        <a:lumOff val="60000"/>
-                      </a:schemeClr>
-                    </a:solidFill>
-                  </a:tcPr>
-                </a:tc>
-                <a:tc>
-                  <a:txBody>
-                    <a:bodyPr/>
-                    <a:lstStyle/>
-                    <a:p>
-                      <a:pPr algn="l" rtl="0" fontAlgn="base"/>
-                      <a:endParaRPr lang="en-US" sz="800" b="0" i="0" dirty="0">
-                        <a:effectLst/>
-                        <a:latin typeface="+mn-lt"/>
-                      </a:endParaRPr>
-                    </a:p>
-                  </a:txBody>
-                  <a:tcPr marL="45720" marR="45720">
-                    <a:solidFill>
-                      <a:schemeClr val="accent5">
-                        <a:lumMod val="40000"/>
-                        <a:lumOff val="60000"/>
-                      </a:schemeClr>
-                    </a:solidFill>
-                  </a:tcPr>
-                </a:tc>
-                <a:tc>
-                  <a:txBody>
-                    <a:bodyPr/>
-                    <a:lstStyle/>
-                    <a:p>
-                      <a:pPr algn="l" rtl="0" fontAlgn="base"/>
-                      <a:endParaRPr lang="en-US" sz="800" b="0" i="0" dirty="0">
-                        <a:effectLst/>
-                        <a:latin typeface="+mn-lt"/>
-                      </a:endParaRPr>
-                    </a:p>
-                  </a:txBody>
-                  <a:tcPr marL="45720" marR="45720"/>
-                </a:tc>
-                <a:tc>
-                  <a:txBody>
-                    <a:bodyPr/>
-                    <a:lstStyle/>
-                    <a:p>
-                      <a:pPr algn="l" rtl="0" fontAlgn="base"/>
-                      <a:endParaRPr lang="en-US" sz="800" b="0" i="0" dirty="0">
-                        <a:effectLst/>
-                        <a:latin typeface="+mn-lt"/>
-                      </a:endParaRPr>
-                    </a:p>
-                  </a:txBody>
-                  <a:tcPr marL="45720" marR="45720"/>
-                </a:tc>
-                <a:tc>
-                  <a:txBody>
-                    <a:bodyPr/>
-                    <a:lstStyle/>
-                    <a:p>
-                      <a:pPr algn="l" rtl="0" fontAlgn="base"/>
-                      <a:endParaRPr lang="en-US" sz="800" b="0" i="0">
-                        <a:effectLst/>
-                        <a:latin typeface="+mn-lt"/>
-                      </a:endParaRPr>
-                    </a:p>
-                  </a:txBody>
-                  <a:tcPr marL="45720" marR="45720"/>
-                </a:tc>
-                <a:tc>
-                  <a:txBody>
-                    <a:bodyPr/>
-                    <a:lstStyle/>
-                    <a:p>
-                      <a:pPr algn="l" rtl="0" fontAlgn="base"/>
-                      <a:endParaRPr lang="en-US" sz="800" b="0" i="0">
-                        <a:effectLst/>
-                        <a:latin typeface="+mn-lt"/>
-                      </a:endParaRPr>
-                    </a:p>
-                  </a:txBody>
-                  <a:tcPr marL="45720" marR="45720"/>
-                </a:tc>
-                <a:tc>
-                  <a:txBody>
-                    <a:bodyPr/>
-                    <a:lstStyle/>
-                    <a:p>
-                      <a:pPr algn="l" rtl="0" fontAlgn="base"/>
-                      <a:endParaRPr lang="en-US" sz="800" b="0" i="0">
-                        <a:effectLst/>
-                        <a:latin typeface="+mn-lt"/>
-                      </a:endParaRPr>
-                    </a:p>
-                  </a:txBody>
-                  <a:tcPr marL="45720" marR="45720"/>
-                </a:tc>
-                <a:tc>
-                  <a:txBody>
-                    <a:bodyPr/>
-                    <a:lstStyle/>
-                    <a:p>
-                      <a:pPr algn="l" rtl="0" fontAlgn="base"/>
-                      <a:endParaRPr lang="en-US" sz="800" b="0" i="0">
-                        <a:effectLst/>
-                        <a:latin typeface="+mn-lt"/>
-                      </a:endParaRPr>
-                    </a:p>
-                  </a:txBody>
-                  <a:tcPr marL="45720" marR="45720"/>
-                </a:tc>
-                <a:tc>
-                  <a:txBody>
-                    <a:bodyPr/>
-                    <a:lstStyle/>
-                    <a:p>
-                      <a:pPr algn="l" rtl="0" fontAlgn="base"/>
-                      <a:endParaRPr lang="en-US" sz="800" b="0" i="0">
-                        <a:effectLst/>
-                        <a:latin typeface="+mn-lt"/>
-                      </a:endParaRPr>
-                    </a:p>
-                  </a:txBody>
-                  <a:tcPr marL="45720" marR="45720"/>
-                </a:tc>
-                <a:tc>
-                  <a:txBody>
-                    <a:bodyPr/>
-                    <a:lstStyle/>
-                    <a:p>
-                      <a:pPr algn="l" rtl="0" fontAlgn="base"/>
-                      <a:r>
-                        <a:rPr lang="en-US" sz="800" dirty="0">
-                          <a:effectLst/>
-                          <a:latin typeface="+mn-lt"/>
-                        </a:rPr>
-                        <a:t> </a:t>
-                      </a:r>
-                      <a:endParaRPr lang="en-US" sz="800" b="0" i="0" dirty="0">
-                        <a:effectLst/>
-                        <a:latin typeface="+mn-lt"/>
-                      </a:endParaRPr>
-                    </a:p>
-                  </a:txBody>
-                  <a:tcPr marL="45720" marR="45720"/>
-                </a:tc>
-                <a:extLst>
-                  <a:ext uri="{0D108BD9-81ED-4DB2-BD59-A6C34878D82A}">
-                    <a16:rowId xmlns:a16="http://schemas.microsoft.com/office/drawing/2014/main" val="1559672855"/>
-                  </a:ext>
-                </a:extLst>
-              </a:tr>
-              <a:tr h="182592">
-                <a:tc>
-                  <a:txBody>
-                    <a:bodyPr/>
-                    <a:lstStyle/>
-                    <a:p>
-                      <a:pPr marL="0" marR="0" lvl="0" indent="0" algn="l" defTabSz="914400" rtl="0" eaLnBrk="1" fontAlgn="base" latinLnBrk="0" hangingPunct="1">
-                        <a:lnSpc>
-                          <a:spcPct val="100000"/>
-                        </a:lnSpc>
-                        <a:spcBef>
-                          <a:spcPts val="0"/>
-                        </a:spcBef>
-                        <a:spcAft>
-                          <a:spcPts val="0"/>
-                        </a:spcAft>
-                        <a:buClrTx/>
-                        <a:buSzTx/>
-                        <a:buFontTx/>
-                        <a:buNone/>
-                        <a:tabLst/>
-                        <a:defRPr/>
-                      </a:pPr>
-                      <a:r>
-                        <a:rPr lang="en-US" sz="1050" dirty="0">
-                          <a:effectLst/>
-                        </a:rPr>
-                        <a:t>3) </a:t>
-                      </a:r>
-                      <a:endParaRPr lang="en-US" sz="1600" b="0" i="0" dirty="0">
-                        <a:effectLst/>
-                      </a:endParaRPr>
-                    </a:p>
-                  </a:txBody>
-                  <a:tcPr marL="45720" marR="45720"/>
-                </a:tc>
-                <a:tc>
-                  <a:txBody>
-                    <a:bodyPr/>
-                    <a:lstStyle/>
-                    <a:p>
-                      <a:pPr algn="l" rtl="0" fontAlgn="base"/>
-                      <a:r>
-                        <a:rPr lang="en-US" sz="800">
-                          <a:effectLst/>
-                          <a:latin typeface="+mn-lt"/>
-                        </a:rPr>
-                        <a:t> </a:t>
-                      </a:r>
-                      <a:endParaRPr lang="en-US" sz="800" b="0" i="0">
-                        <a:effectLst/>
-                        <a:latin typeface="+mn-lt"/>
-                      </a:endParaRPr>
-                    </a:p>
-                  </a:txBody>
-                  <a:tcPr marL="45720" marR="45720"/>
-                </a:tc>
-                <a:tc>
-                  <a:txBody>
-                    <a:bodyPr/>
-                    <a:lstStyle/>
-                    <a:p>
-                      <a:pPr algn="l" rtl="0" fontAlgn="base"/>
-                      <a:r>
-                        <a:rPr lang="en-US" sz="800">
-                          <a:effectLst/>
-                          <a:latin typeface="+mn-lt"/>
-                        </a:rPr>
-                        <a:t> </a:t>
-                      </a:r>
-                      <a:endParaRPr lang="en-US" sz="800" b="0" i="0">
-                        <a:effectLst/>
-                        <a:latin typeface="+mn-lt"/>
-                      </a:endParaRPr>
-                    </a:p>
-                  </a:txBody>
-                  <a:tcPr marL="45720" marR="45720"/>
-                </a:tc>
-                <a:tc>
-                  <a:txBody>
-                    <a:bodyPr/>
-                    <a:lstStyle/>
-                    <a:p>
-                      <a:pPr algn="l" rtl="0" fontAlgn="base"/>
-                      <a:endParaRPr lang="en-US" sz="800" b="0" i="0">
-                        <a:effectLst/>
-                        <a:latin typeface="+mn-lt"/>
-                      </a:endParaRPr>
-                    </a:p>
-                  </a:txBody>
-                  <a:tcPr marL="45720" marR="45720"/>
-                </a:tc>
-                <a:tc>
-                  <a:txBody>
-                    <a:bodyPr/>
-                    <a:lstStyle/>
-                    <a:p>
-                      <a:pPr algn="l" rtl="0" fontAlgn="base"/>
-                      <a:endParaRPr lang="en-US" sz="800" b="0" i="0">
-                        <a:effectLst/>
-                        <a:latin typeface="+mn-lt"/>
-                      </a:endParaRPr>
-                    </a:p>
-                  </a:txBody>
-                  <a:tcPr marL="45720" marR="45720"/>
-                </a:tc>
-                <a:tc>
-                  <a:txBody>
-                    <a:bodyPr/>
-                    <a:lstStyle/>
-                    <a:p>
-                      <a:pPr algn="l" rtl="0" fontAlgn="base"/>
-                      <a:endParaRPr lang="en-US" sz="800" b="0" i="0">
-                        <a:effectLst/>
-                        <a:latin typeface="+mn-lt"/>
-                      </a:endParaRPr>
-                    </a:p>
-                  </a:txBody>
-                  <a:tcPr marL="45720" marR="45720"/>
-                </a:tc>
-                <a:tc>
-                  <a:txBody>
-                    <a:bodyPr/>
-                    <a:lstStyle/>
-                    <a:p>
-                      <a:pPr algn="l" rtl="0" fontAlgn="base"/>
-                      <a:endParaRPr lang="en-US" sz="800" b="0" i="0" dirty="0">
-                        <a:effectLst/>
-                        <a:latin typeface="+mn-lt"/>
-                      </a:endParaRPr>
-                    </a:p>
-                  </a:txBody>
-                  <a:tcPr marL="45720" marR="45720">
-                    <a:solidFill>
-                      <a:schemeClr val="accent5">
-                        <a:lumMod val="60000"/>
-                        <a:lumOff val="40000"/>
-                      </a:schemeClr>
-                    </a:solidFill>
-                  </a:tcPr>
-                </a:tc>
-                <a:tc>
-                  <a:txBody>
-                    <a:bodyPr/>
-                    <a:lstStyle/>
-                    <a:p>
-                      <a:pPr algn="l" rtl="0" fontAlgn="base"/>
-                      <a:endParaRPr lang="en-US" sz="800" b="0" i="0" dirty="0">
-                        <a:effectLst/>
-                        <a:latin typeface="+mn-lt"/>
-                      </a:endParaRPr>
-                    </a:p>
-                  </a:txBody>
-                  <a:tcPr marL="45720" marR="45720">
-                    <a:solidFill>
-                      <a:schemeClr val="accent5">
-                        <a:lumMod val="60000"/>
-                        <a:lumOff val="40000"/>
-                      </a:schemeClr>
-                    </a:solidFill>
-                  </a:tcPr>
-                </a:tc>
-                <a:tc>
-                  <a:txBody>
-                    <a:bodyPr/>
-                    <a:lstStyle/>
-                    <a:p>
-                      <a:pPr algn="l" rtl="0" fontAlgn="base"/>
-                      <a:endParaRPr lang="en-US" sz="800" b="0" i="0" dirty="0">
-                        <a:effectLst/>
-                        <a:latin typeface="+mn-lt"/>
-                      </a:endParaRPr>
-                    </a:p>
-                  </a:txBody>
-                  <a:tcPr marL="45720" marR="45720">
-                    <a:solidFill>
-                      <a:schemeClr val="accent5">
-                        <a:lumMod val="60000"/>
-                        <a:lumOff val="40000"/>
-                      </a:schemeClr>
-                    </a:solidFill>
-                  </a:tcPr>
-                </a:tc>
-                <a:tc>
-                  <a:txBody>
-                    <a:bodyPr/>
-                    <a:lstStyle/>
-                    <a:p>
-                      <a:pPr algn="l" rtl="0" fontAlgn="base"/>
-                      <a:endParaRPr lang="en-US" sz="800" b="0" i="0" dirty="0">
-                        <a:effectLst/>
-                        <a:latin typeface="+mn-lt"/>
-                      </a:endParaRPr>
-                    </a:p>
-                  </a:txBody>
-                  <a:tcPr marL="45720" marR="45720">
-                    <a:solidFill>
-                      <a:schemeClr val="accent5">
-                        <a:lumMod val="60000"/>
-                        <a:lumOff val="40000"/>
-                      </a:schemeClr>
-                    </a:solidFill>
-                  </a:tcPr>
-                </a:tc>
-                <a:tc>
-                  <a:txBody>
-                    <a:bodyPr/>
-                    <a:lstStyle/>
-                    <a:p>
-                      <a:pPr algn="l" rtl="0" fontAlgn="base"/>
-                      <a:endParaRPr lang="en-US" sz="800" b="0" i="0" dirty="0">
-                        <a:effectLst/>
-                        <a:latin typeface="+mn-lt"/>
-                      </a:endParaRPr>
-                    </a:p>
-                  </a:txBody>
-                  <a:tcPr marL="45720" marR="45720">
-                    <a:solidFill>
-                      <a:schemeClr val="accent5">
-                        <a:lumMod val="60000"/>
-                        <a:lumOff val="40000"/>
-                      </a:schemeClr>
-                    </a:solidFill>
-                  </a:tcPr>
-                </a:tc>
-                <a:tc>
-                  <a:txBody>
-                    <a:bodyPr/>
-                    <a:lstStyle/>
-                    <a:p>
-                      <a:pPr algn="l" rtl="0" fontAlgn="base"/>
-                      <a:endParaRPr lang="en-US" sz="800" b="0" i="0" dirty="0">
-                        <a:effectLst/>
-                        <a:latin typeface="+mn-lt"/>
-                      </a:endParaRPr>
-                    </a:p>
-                  </a:txBody>
-                  <a:tcPr marL="45720" marR="45720">
-                    <a:solidFill>
-                      <a:schemeClr val="accent5">
-                        <a:lumMod val="60000"/>
-                        <a:lumOff val="40000"/>
-                      </a:schemeClr>
-                    </a:solidFill>
-                  </a:tcPr>
-                </a:tc>
-                <a:tc>
-                  <a:txBody>
-                    <a:bodyPr/>
-                    <a:lstStyle/>
-                    <a:p>
-                      <a:pPr algn="l" rtl="0" fontAlgn="base"/>
-                      <a:endParaRPr lang="en-US" sz="800" b="0" i="0" dirty="0">
-                        <a:effectLst/>
-                        <a:latin typeface="+mn-lt"/>
-                      </a:endParaRPr>
-                    </a:p>
-                  </a:txBody>
-                  <a:tcPr marL="45720" marR="45720"/>
-                </a:tc>
-                <a:tc>
-                  <a:txBody>
-                    <a:bodyPr/>
-                    <a:lstStyle/>
-                    <a:p>
-                      <a:pPr algn="l" rtl="0" fontAlgn="base"/>
-                      <a:endParaRPr lang="en-US" sz="800" b="0" i="0" dirty="0">
-                        <a:effectLst/>
-                        <a:latin typeface="+mn-lt"/>
-                      </a:endParaRPr>
-                    </a:p>
-                  </a:txBody>
-                  <a:tcPr marL="45720" marR="45720"/>
-                </a:tc>
-                <a:tc>
-                  <a:txBody>
-                    <a:bodyPr/>
-                    <a:lstStyle/>
-                    <a:p>
-                      <a:pPr algn="l" rtl="0" fontAlgn="base"/>
-                      <a:endParaRPr lang="en-US" sz="800" b="0" i="0">
-                        <a:effectLst/>
-                        <a:latin typeface="+mn-lt"/>
-                      </a:endParaRPr>
-                    </a:p>
-                  </a:txBody>
-                  <a:tcPr marL="45720" marR="45720"/>
-                </a:tc>
-                <a:tc>
-                  <a:txBody>
-                    <a:bodyPr/>
-                    <a:lstStyle/>
-                    <a:p>
-                      <a:pPr algn="l" rtl="0" fontAlgn="base"/>
-                      <a:endParaRPr lang="en-US" sz="800" b="0" i="0">
-                        <a:effectLst/>
-                        <a:latin typeface="+mn-lt"/>
-                      </a:endParaRPr>
-                    </a:p>
-                  </a:txBody>
-                  <a:tcPr marL="45720" marR="45720"/>
-                </a:tc>
-                <a:tc>
-                  <a:txBody>
-                    <a:bodyPr/>
-                    <a:lstStyle/>
-                    <a:p>
-                      <a:pPr algn="l" rtl="0" fontAlgn="base"/>
-                      <a:r>
-                        <a:rPr lang="en-US" sz="800">
-                          <a:effectLst/>
-                          <a:latin typeface="+mn-lt"/>
-                        </a:rPr>
-                        <a:t> </a:t>
-                      </a:r>
-                      <a:endParaRPr lang="en-US" sz="800" b="0" i="0">
-                        <a:effectLst/>
-                        <a:latin typeface="+mn-lt"/>
-                      </a:endParaRPr>
-                    </a:p>
-                  </a:txBody>
-                  <a:tcPr marL="45720" marR="45720"/>
-                </a:tc>
-                <a:extLst>
-                  <a:ext uri="{0D108BD9-81ED-4DB2-BD59-A6C34878D82A}">
-                    <a16:rowId xmlns:a16="http://schemas.microsoft.com/office/drawing/2014/main" val="2175208498"/>
-                  </a:ext>
-                </a:extLst>
-              </a:tr>
-              <a:tr h="0">
-                <a:tc>
-                  <a:txBody>
-                    <a:bodyPr/>
-                    <a:lstStyle/>
-                    <a:p>
-                      <a:pPr algn="l" rtl="0" fontAlgn="base"/>
-                      <a:r>
-                        <a:rPr lang="en-US" sz="1050" dirty="0">
-                          <a:effectLst/>
-                        </a:rPr>
-                        <a:t>4) </a:t>
-                      </a:r>
-                      <a:endParaRPr lang="en-US" sz="1600" b="0" i="0" dirty="0">
-                        <a:effectLst/>
-                      </a:endParaRPr>
-                    </a:p>
-                  </a:txBody>
-                  <a:tcPr marL="45720" marR="45720"/>
-                </a:tc>
-                <a:tc>
-                  <a:txBody>
-                    <a:bodyPr/>
-                    <a:lstStyle/>
-                    <a:p>
-                      <a:pPr algn="l" rtl="0" fontAlgn="base"/>
-                      <a:endParaRPr lang="en-US" sz="800" b="0" i="0" dirty="0">
-                        <a:effectLst/>
-                        <a:latin typeface="+mn-lt"/>
-                      </a:endParaRPr>
-                    </a:p>
-                  </a:txBody>
-                  <a:tcPr marL="45720" marR="45720"/>
-                </a:tc>
-                <a:tc>
-                  <a:txBody>
-                    <a:bodyPr/>
-                    <a:lstStyle/>
-                    <a:p>
-                      <a:pPr algn="l" rtl="0" fontAlgn="base"/>
-                      <a:endParaRPr lang="en-US" sz="800" b="0" i="0" dirty="0">
-                        <a:effectLst/>
-                        <a:latin typeface="+mn-lt"/>
-                      </a:endParaRPr>
-                    </a:p>
-                  </a:txBody>
-                  <a:tcPr marL="45720" marR="45720"/>
-                </a:tc>
-                <a:tc>
-                  <a:txBody>
-                    <a:bodyPr/>
-                    <a:lstStyle/>
-                    <a:p>
-                      <a:pPr algn="l" rtl="0" fontAlgn="base"/>
-                      <a:endParaRPr lang="en-US" sz="800" b="0" i="0" dirty="0">
-                        <a:effectLst/>
-                        <a:latin typeface="+mn-lt"/>
-                      </a:endParaRPr>
-                    </a:p>
-                  </a:txBody>
-                  <a:tcPr marL="45720" marR="45720"/>
-                </a:tc>
-                <a:tc>
-                  <a:txBody>
-                    <a:bodyPr/>
-                    <a:lstStyle/>
-                    <a:p>
-                      <a:pPr algn="l" rtl="0" fontAlgn="base"/>
-                      <a:endParaRPr lang="en-US" sz="800" b="0" i="0" dirty="0">
-                        <a:effectLst/>
-                        <a:latin typeface="+mn-lt"/>
-                      </a:endParaRPr>
-                    </a:p>
-                  </a:txBody>
-                  <a:tcPr marL="45720" marR="45720"/>
-                </a:tc>
-                <a:tc>
-                  <a:txBody>
-                    <a:bodyPr/>
-                    <a:lstStyle/>
-                    <a:p>
-                      <a:pPr algn="l" rtl="0" fontAlgn="base"/>
-                      <a:endParaRPr lang="en-US" sz="800" b="0" i="0">
-                        <a:effectLst/>
-                        <a:latin typeface="+mn-lt"/>
-                      </a:endParaRPr>
-                    </a:p>
-                  </a:txBody>
-                  <a:tcPr marL="45720" marR="45720"/>
-                </a:tc>
-                <a:tc>
-                  <a:txBody>
-                    <a:bodyPr/>
-                    <a:lstStyle/>
-                    <a:p>
-                      <a:pPr algn="l" rtl="0" fontAlgn="base"/>
-                      <a:endParaRPr lang="en-US" sz="800" b="0" i="0">
-                        <a:effectLst/>
-                        <a:latin typeface="+mn-lt"/>
-                      </a:endParaRPr>
-                    </a:p>
-                  </a:txBody>
-                  <a:tcPr marL="45720" marR="45720"/>
-                </a:tc>
-                <a:tc>
-                  <a:txBody>
-                    <a:bodyPr/>
-                    <a:lstStyle/>
-                    <a:p>
-                      <a:pPr algn="l" rtl="0" fontAlgn="base"/>
-                      <a:endParaRPr lang="en-US" sz="800" b="0" i="0" dirty="0">
-                        <a:effectLst/>
-                        <a:latin typeface="+mn-lt"/>
-                      </a:endParaRPr>
-                    </a:p>
-                  </a:txBody>
-                  <a:tcPr marL="45720" marR="45720">
-                    <a:solidFill>
-                      <a:schemeClr val="accent5"/>
-                    </a:solidFill>
-                  </a:tcPr>
-                </a:tc>
-                <a:tc>
-                  <a:txBody>
-                    <a:bodyPr/>
-                    <a:lstStyle/>
-                    <a:p>
-                      <a:pPr algn="l" rtl="0" fontAlgn="base"/>
-                      <a:endParaRPr lang="en-US" sz="800" b="0" i="0" dirty="0">
-                        <a:effectLst/>
-                        <a:latin typeface="+mn-lt"/>
-                      </a:endParaRPr>
-                    </a:p>
-                  </a:txBody>
-                  <a:tcPr marL="45720" marR="45720">
-                    <a:solidFill>
-                      <a:schemeClr val="accent5"/>
-                    </a:solidFill>
-                  </a:tcPr>
-                </a:tc>
-                <a:tc>
-                  <a:txBody>
-                    <a:bodyPr/>
-                    <a:lstStyle/>
-                    <a:p>
-                      <a:pPr algn="l" rtl="0" fontAlgn="base"/>
-                      <a:endParaRPr lang="en-US" sz="800" b="0" i="0" dirty="0">
-                        <a:effectLst/>
-                        <a:latin typeface="+mn-lt"/>
-                      </a:endParaRPr>
-                    </a:p>
-                  </a:txBody>
-                  <a:tcPr marL="45720" marR="45720">
-                    <a:solidFill>
-                      <a:schemeClr val="accent5"/>
-                    </a:solidFill>
-                  </a:tcPr>
-                </a:tc>
-                <a:tc>
-                  <a:txBody>
-                    <a:bodyPr/>
-                    <a:lstStyle/>
-                    <a:p>
-                      <a:pPr algn="l" rtl="0" fontAlgn="base"/>
-                      <a:endParaRPr lang="en-US" sz="800" b="0" i="0" dirty="0">
-                        <a:effectLst/>
-                        <a:latin typeface="+mn-lt"/>
-                      </a:endParaRPr>
-                    </a:p>
-                  </a:txBody>
-                  <a:tcPr marL="45720" marR="45720">
-                    <a:solidFill>
-                      <a:schemeClr val="accent5"/>
-                    </a:solidFill>
-                  </a:tcPr>
-                </a:tc>
-                <a:tc>
-                  <a:txBody>
-                    <a:bodyPr/>
-                    <a:lstStyle/>
-                    <a:p>
-                      <a:pPr algn="l" rtl="0" fontAlgn="base"/>
-                      <a:endParaRPr lang="en-US" sz="800" b="0" i="0" dirty="0">
-                        <a:effectLst/>
-                        <a:latin typeface="+mn-lt"/>
-                      </a:endParaRPr>
-                    </a:p>
-                  </a:txBody>
-                  <a:tcPr marL="45720" marR="45720">
-                    <a:solidFill>
-                      <a:schemeClr val="accent5"/>
-                    </a:solidFill>
-                  </a:tcPr>
-                </a:tc>
-                <a:tc>
-                  <a:txBody>
-                    <a:bodyPr/>
-                    <a:lstStyle/>
-                    <a:p>
-                      <a:pPr algn="l" rtl="0" fontAlgn="base"/>
-                      <a:endParaRPr lang="en-US" sz="800" b="0" i="0" dirty="0">
-                        <a:effectLst/>
-                        <a:latin typeface="+mn-lt"/>
-                      </a:endParaRPr>
-                    </a:p>
-                  </a:txBody>
-                  <a:tcPr marL="45720" marR="45720">
-                    <a:solidFill>
-                      <a:schemeClr val="accent5"/>
-                    </a:solidFill>
-                  </a:tcPr>
-                </a:tc>
-                <a:tc>
-                  <a:txBody>
-                    <a:bodyPr/>
-                    <a:lstStyle/>
-                    <a:p>
-                      <a:pPr algn="l" rtl="0" fontAlgn="base"/>
-                      <a:endParaRPr lang="en-US" sz="800" b="0" i="0" dirty="0">
-                        <a:effectLst/>
-                        <a:latin typeface="+mn-lt"/>
-                      </a:endParaRPr>
-                    </a:p>
-                  </a:txBody>
-                  <a:tcPr marL="45720" marR="45720"/>
-                </a:tc>
-                <a:tc>
-                  <a:txBody>
-                    <a:bodyPr/>
-                    <a:lstStyle/>
-                    <a:p>
-                      <a:pPr algn="l" rtl="0" fontAlgn="base"/>
-                      <a:endParaRPr lang="en-US" sz="800" b="0" i="0" dirty="0">
-                        <a:effectLst/>
-                        <a:latin typeface="+mn-lt"/>
-                      </a:endParaRPr>
-                    </a:p>
-                  </a:txBody>
-                  <a:tcPr marL="45720" marR="45720"/>
-                </a:tc>
-                <a:tc>
-                  <a:txBody>
-                    <a:bodyPr/>
-                    <a:lstStyle/>
-                    <a:p>
-                      <a:pPr algn="l" rtl="0" fontAlgn="base"/>
-                      <a:endParaRPr lang="en-US" sz="800" b="0" i="0" dirty="0">
-                        <a:effectLst/>
-                        <a:latin typeface="+mn-lt"/>
-                      </a:endParaRPr>
-                    </a:p>
-                  </a:txBody>
-                  <a:tcPr marL="45720" marR="45720"/>
-                </a:tc>
-                <a:tc>
-                  <a:txBody>
-                    <a:bodyPr/>
-                    <a:lstStyle/>
-                    <a:p>
-                      <a:pPr algn="l" rtl="0" fontAlgn="base"/>
-                      <a:r>
-                        <a:rPr lang="en-US" sz="800">
-                          <a:effectLst/>
-                          <a:latin typeface="+mn-lt"/>
-                        </a:rPr>
-                        <a:t> </a:t>
-                      </a:r>
-                      <a:endParaRPr lang="en-US" sz="800" b="0" i="0">
-                        <a:effectLst/>
-                        <a:latin typeface="+mn-lt"/>
-                      </a:endParaRPr>
-                    </a:p>
-                  </a:txBody>
-                  <a:tcPr marL="45720" marR="45720"/>
-                </a:tc>
-                <a:extLst>
-                  <a:ext uri="{0D108BD9-81ED-4DB2-BD59-A6C34878D82A}">
-                    <a16:rowId xmlns:a16="http://schemas.microsoft.com/office/drawing/2014/main" val="3341984737"/>
-                  </a:ext>
-                </a:extLst>
-              </a:tr>
-              <a:tr h="133749">
-                <a:tc>
-                  <a:txBody>
-                    <a:bodyPr/>
-                    <a:lstStyle/>
-                    <a:p>
-                      <a:pPr algn="l" rtl="0" fontAlgn="base"/>
-                      <a:r>
-                        <a:rPr lang="en-US" sz="1050" dirty="0">
-                          <a:effectLst/>
-                        </a:rPr>
-                        <a:t>5) </a:t>
-                      </a:r>
-                      <a:endParaRPr lang="en-US" sz="1600" b="0" i="0" dirty="0">
-                        <a:effectLst/>
-                      </a:endParaRPr>
-                    </a:p>
-                  </a:txBody>
-                  <a:tcPr marL="45720" marR="45720"/>
-                </a:tc>
-                <a:tc>
-                  <a:txBody>
-                    <a:bodyPr/>
-                    <a:lstStyle/>
-                    <a:p>
-                      <a:pPr algn="l" rtl="0" fontAlgn="base"/>
-                      <a:r>
-                        <a:rPr lang="en-US" sz="800" dirty="0">
-                          <a:effectLst/>
-                          <a:latin typeface="+mn-lt"/>
-                        </a:rPr>
-                        <a:t> </a:t>
-                      </a:r>
-                      <a:endParaRPr lang="en-US" sz="800" b="0" i="0" dirty="0">
-                        <a:effectLst/>
-                        <a:latin typeface="+mn-lt"/>
-                      </a:endParaRPr>
-                    </a:p>
-                  </a:txBody>
-                  <a:tcPr marL="45720" marR="45720"/>
-                </a:tc>
-                <a:tc>
-                  <a:txBody>
-                    <a:bodyPr/>
-                    <a:lstStyle/>
-                    <a:p>
-                      <a:pPr algn="l" rtl="0" fontAlgn="base"/>
-                      <a:r>
-                        <a:rPr lang="en-US" sz="800" dirty="0">
-                          <a:effectLst/>
-                          <a:latin typeface="+mn-lt"/>
-                        </a:rPr>
-                        <a:t> </a:t>
-                      </a:r>
-                      <a:endParaRPr lang="en-US" sz="800" b="0" i="0" dirty="0">
-                        <a:effectLst/>
-                        <a:latin typeface="+mn-lt"/>
-                      </a:endParaRPr>
-                    </a:p>
-                  </a:txBody>
-                  <a:tcPr marL="45720" marR="45720"/>
-                </a:tc>
-                <a:tc>
-                  <a:txBody>
-                    <a:bodyPr/>
-                    <a:lstStyle/>
-                    <a:p>
-                      <a:pPr algn="l" rtl="0" fontAlgn="base"/>
-                      <a:endParaRPr lang="en-US" sz="800" b="0" i="0">
-                        <a:effectLst/>
-                        <a:latin typeface="+mn-lt"/>
-                      </a:endParaRPr>
-                    </a:p>
-                  </a:txBody>
-                  <a:tcPr marL="45720" marR="45720"/>
-                </a:tc>
-                <a:tc>
-                  <a:txBody>
-                    <a:bodyPr/>
-                    <a:lstStyle/>
-                    <a:p>
-                      <a:pPr algn="l" rtl="0" fontAlgn="base"/>
-                      <a:endParaRPr lang="en-US" sz="800" b="0" i="0">
-                        <a:effectLst/>
-                        <a:latin typeface="+mn-lt"/>
-                      </a:endParaRPr>
-                    </a:p>
-                  </a:txBody>
-                  <a:tcPr marL="45720" marR="45720"/>
-                </a:tc>
-                <a:tc>
-                  <a:txBody>
-                    <a:bodyPr/>
-                    <a:lstStyle/>
-                    <a:p>
-                      <a:pPr algn="l" rtl="0" fontAlgn="base"/>
-                      <a:endParaRPr lang="en-US" sz="800" b="0" i="0">
-                        <a:effectLst/>
-                        <a:latin typeface="+mn-lt"/>
-                      </a:endParaRPr>
-                    </a:p>
-                  </a:txBody>
-                  <a:tcPr marL="45720" marR="45720"/>
-                </a:tc>
-                <a:tc>
-                  <a:txBody>
-                    <a:bodyPr/>
-                    <a:lstStyle/>
-                    <a:p>
-                      <a:pPr algn="l" rtl="0" fontAlgn="base"/>
-                      <a:endParaRPr lang="en-US" sz="800" b="0" i="0">
-                        <a:effectLst/>
-                        <a:latin typeface="+mn-lt"/>
-                      </a:endParaRPr>
-                    </a:p>
-                  </a:txBody>
-                  <a:tcPr marL="45720" marR="45720"/>
-                </a:tc>
-                <a:tc>
-                  <a:txBody>
-                    <a:bodyPr/>
-                    <a:lstStyle/>
-                    <a:p>
-                      <a:pPr algn="l" rtl="0" fontAlgn="base"/>
-                      <a:endParaRPr lang="en-US" sz="800" b="0" i="0">
-                        <a:effectLst/>
-                        <a:latin typeface="+mn-lt"/>
-                      </a:endParaRPr>
-                    </a:p>
-                  </a:txBody>
-                  <a:tcPr marL="45720" marR="45720"/>
-                </a:tc>
-                <a:tc>
-                  <a:txBody>
-                    <a:bodyPr/>
-                    <a:lstStyle/>
-                    <a:p>
-                      <a:pPr algn="l" rtl="0" fontAlgn="base"/>
-                      <a:endParaRPr lang="en-US" sz="800" b="0" i="0">
-                        <a:effectLst/>
-                        <a:latin typeface="+mn-lt"/>
-                      </a:endParaRPr>
-                    </a:p>
-                  </a:txBody>
-                  <a:tcPr marL="45720" marR="45720"/>
-                </a:tc>
-                <a:tc>
-                  <a:txBody>
-                    <a:bodyPr/>
-                    <a:lstStyle/>
-                    <a:p>
-                      <a:pPr algn="l" rtl="0" fontAlgn="base"/>
-                      <a:endParaRPr lang="en-US" sz="800" b="0" i="0" dirty="0">
-                        <a:effectLst/>
-                        <a:latin typeface="+mn-lt"/>
-                      </a:endParaRPr>
-                    </a:p>
-                  </a:txBody>
-                  <a:tcPr marL="45720" marR="45720">
-                    <a:solidFill>
-                      <a:schemeClr val="accent5">
-                        <a:lumMod val="75000"/>
-                      </a:schemeClr>
-                    </a:solidFill>
-                  </a:tcPr>
-                </a:tc>
-                <a:tc>
-                  <a:txBody>
-                    <a:bodyPr/>
-                    <a:lstStyle/>
-                    <a:p>
-                      <a:pPr algn="l" rtl="0" fontAlgn="base"/>
-                      <a:endParaRPr lang="en-US" sz="800" b="0" i="0" dirty="0">
-                        <a:effectLst/>
-                        <a:latin typeface="+mn-lt"/>
-                      </a:endParaRPr>
-                    </a:p>
-                  </a:txBody>
-                  <a:tcPr marL="45720" marR="45720">
-                    <a:solidFill>
-                      <a:schemeClr val="accent5">
-                        <a:lumMod val="75000"/>
-                      </a:schemeClr>
-                    </a:solidFill>
-                  </a:tcPr>
-                </a:tc>
-                <a:tc>
-                  <a:txBody>
-                    <a:bodyPr/>
-                    <a:lstStyle/>
-                    <a:p>
-                      <a:pPr algn="l" rtl="0" fontAlgn="base"/>
-                      <a:endParaRPr lang="en-US" sz="800" b="0" i="0" dirty="0">
-                        <a:effectLst/>
-                        <a:latin typeface="+mn-lt"/>
-                      </a:endParaRPr>
-                    </a:p>
-                  </a:txBody>
-                  <a:tcPr marL="45720" marR="45720">
-                    <a:solidFill>
-                      <a:schemeClr val="accent5">
-                        <a:lumMod val="75000"/>
-                      </a:schemeClr>
-                    </a:solidFill>
-                  </a:tcPr>
-                </a:tc>
-                <a:tc>
-                  <a:txBody>
-                    <a:bodyPr/>
-                    <a:lstStyle/>
-                    <a:p>
-                      <a:pPr algn="l" rtl="0" fontAlgn="base"/>
-                      <a:endParaRPr lang="en-US" sz="800" b="0" i="0" dirty="0">
-                        <a:effectLst/>
-                        <a:latin typeface="+mn-lt"/>
-                      </a:endParaRPr>
-                    </a:p>
-                  </a:txBody>
-                  <a:tcPr marL="45720" marR="45720">
-                    <a:solidFill>
-                      <a:schemeClr val="accent5">
-                        <a:lumMod val="75000"/>
-                      </a:schemeClr>
-                    </a:solidFill>
-                  </a:tcPr>
-                </a:tc>
-                <a:tc>
-                  <a:txBody>
-                    <a:bodyPr/>
-                    <a:lstStyle/>
-                    <a:p>
-                      <a:pPr algn="l" rtl="0" fontAlgn="base"/>
-                      <a:endParaRPr lang="en-US" sz="800" b="0" i="0" dirty="0">
-                        <a:effectLst/>
-                        <a:latin typeface="+mn-lt"/>
-                      </a:endParaRPr>
-                    </a:p>
-                  </a:txBody>
-                  <a:tcPr marL="45720" marR="45720">
-                    <a:solidFill>
-                      <a:schemeClr val="accent5">
-                        <a:lumMod val="75000"/>
-                      </a:schemeClr>
-                    </a:solidFill>
-                  </a:tcPr>
-                </a:tc>
-                <a:tc>
-                  <a:txBody>
-                    <a:bodyPr/>
-                    <a:lstStyle/>
-                    <a:p>
-                      <a:pPr algn="l" rtl="0" fontAlgn="base"/>
-                      <a:endParaRPr lang="en-US" sz="800" b="0" i="0" dirty="0">
-                        <a:effectLst/>
-                        <a:latin typeface="+mn-lt"/>
-                      </a:endParaRPr>
-                    </a:p>
-                  </a:txBody>
-                  <a:tcPr marL="45720" marR="45720">
-                    <a:solidFill>
-                      <a:schemeClr val="accent5">
-                        <a:lumMod val="75000"/>
-                      </a:schemeClr>
-                    </a:solidFill>
-                  </a:tcPr>
-                </a:tc>
-                <a:tc>
-                  <a:txBody>
-                    <a:bodyPr/>
-                    <a:lstStyle/>
-                    <a:p>
-                      <a:pPr algn="l" rtl="0" fontAlgn="base"/>
-                      <a:endParaRPr lang="en-US" sz="800" b="0" i="0" dirty="0">
-                        <a:effectLst/>
-                        <a:latin typeface="+mn-lt"/>
-                      </a:endParaRPr>
-                    </a:p>
-                  </a:txBody>
-                  <a:tcPr marL="45720" marR="45720"/>
-                </a:tc>
-                <a:tc>
-                  <a:txBody>
-                    <a:bodyPr/>
-                    <a:lstStyle/>
-                    <a:p>
-                      <a:pPr algn="l" rtl="0" fontAlgn="base"/>
-                      <a:r>
-                        <a:rPr lang="en-US" sz="800" dirty="0">
-                          <a:effectLst/>
-                          <a:latin typeface="+mn-lt"/>
-                        </a:rPr>
-                        <a:t> </a:t>
-                      </a:r>
-                      <a:endParaRPr lang="en-US" sz="800" b="0" i="0" dirty="0">
-                        <a:effectLst/>
-                        <a:latin typeface="+mn-lt"/>
-                      </a:endParaRPr>
-                    </a:p>
-                  </a:txBody>
-                  <a:tcPr marL="45720" marR="45720"/>
-                </a:tc>
-                <a:extLst>
-                  <a:ext uri="{0D108BD9-81ED-4DB2-BD59-A6C34878D82A}">
-                    <a16:rowId xmlns:a16="http://schemas.microsoft.com/office/drawing/2014/main" val="1577978304"/>
-                  </a:ext>
-                </a:extLst>
-              </a:tr>
-              <a:tr h="0">
-                <a:tc>
-                  <a:txBody>
-                    <a:bodyPr/>
-                    <a:lstStyle/>
-                    <a:p>
-                      <a:pPr algn="l" rtl="0" fontAlgn="base"/>
-                      <a:r>
-                        <a:rPr lang="en-US" sz="1050" dirty="0">
-                          <a:effectLst/>
-                        </a:rPr>
-                        <a:t>6) </a:t>
-                      </a:r>
-                      <a:endParaRPr lang="en-US" sz="1600" b="0" i="0" dirty="0">
-                        <a:effectLst/>
-                      </a:endParaRPr>
-                    </a:p>
-                  </a:txBody>
-                  <a:tcPr marL="45720" marR="45720"/>
-                </a:tc>
-                <a:tc>
-                  <a:txBody>
-                    <a:bodyPr/>
-                    <a:lstStyle/>
-                    <a:p>
-                      <a:pPr algn="l" rtl="0" fontAlgn="base"/>
-                      <a:r>
-                        <a:rPr lang="en-US" sz="800">
-                          <a:effectLst/>
-                          <a:latin typeface="+mn-lt"/>
-                        </a:rPr>
-                        <a:t> </a:t>
-                      </a:r>
-                      <a:endParaRPr lang="en-US" sz="800" b="0" i="0">
-                        <a:effectLst/>
-                        <a:latin typeface="+mn-lt"/>
-                      </a:endParaRPr>
-                    </a:p>
-                  </a:txBody>
-                  <a:tcPr marL="45720" marR="45720"/>
-                </a:tc>
-                <a:tc>
-                  <a:txBody>
-                    <a:bodyPr/>
-                    <a:lstStyle/>
-                    <a:p>
-                      <a:pPr algn="l" rtl="0" fontAlgn="base"/>
-                      <a:r>
-                        <a:rPr lang="en-US" sz="800" dirty="0">
-                          <a:effectLst/>
-                          <a:latin typeface="+mn-lt"/>
-                        </a:rPr>
-                        <a:t> </a:t>
-                      </a:r>
-                      <a:endParaRPr lang="en-US" sz="800" b="0" i="0" dirty="0">
-                        <a:effectLst/>
-                        <a:latin typeface="+mn-lt"/>
-                      </a:endParaRPr>
-                    </a:p>
-                  </a:txBody>
-                  <a:tcPr marL="45720" marR="45720"/>
-                </a:tc>
-                <a:tc>
-                  <a:txBody>
-                    <a:bodyPr/>
-                    <a:lstStyle/>
-                    <a:p>
-                      <a:pPr algn="l" rtl="0" fontAlgn="base"/>
-                      <a:endParaRPr lang="en-US" sz="800" b="0" i="0">
-                        <a:effectLst/>
-                        <a:latin typeface="+mn-lt"/>
-                      </a:endParaRPr>
-                    </a:p>
-                  </a:txBody>
-                  <a:tcPr marL="45720" marR="45720"/>
-                </a:tc>
-                <a:tc>
-                  <a:txBody>
-                    <a:bodyPr/>
-                    <a:lstStyle/>
-                    <a:p>
-                      <a:pPr algn="l" rtl="0" fontAlgn="base"/>
-                      <a:endParaRPr lang="en-US" sz="800" b="0" i="0">
-                        <a:effectLst/>
-                        <a:latin typeface="+mn-lt"/>
-                      </a:endParaRPr>
-                    </a:p>
-                  </a:txBody>
-                  <a:tcPr marL="45720" marR="45720"/>
-                </a:tc>
-                <a:tc>
-                  <a:txBody>
-                    <a:bodyPr/>
-                    <a:lstStyle/>
-                    <a:p>
-                      <a:pPr algn="l" rtl="0" fontAlgn="base"/>
-                      <a:endParaRPr lang="en-US" sz="800" b="0" i="0">
-                        <a:effectLst/>
-                        <a:latin typeface="+mn-lt"/>
-                      </a:endParaRPr>
-                    </a:p>
-                  </a:txBody>
-                  <a:tcPr marL="45720" marR="45720"/>
-                </a:tc>
-                <a:tc>
-                  <a:txBody>
-                    <a:bodyPr/>
-                    <a:lstStyle/>
-                    <a:p>
-                      <a:pPr algn="l" rtl="0" fontAlgn="base"/>
-                      <a:endParaRPr lang="en-US" sz="800" b="0" i="0">
-                        <a:effectLst/>
-                        <a:latin typeface="+mn-lt"/>
-                      </a:endParaRPr>
-                    </a:p>
-                  </a:txBody>
-                  <a:tcPr marL="45720" marR="45720"/>
-                </a:tc>
-                <a:tc>
-                  <a:txBody>
-                    <a:bodyPr/>
-                    <a:lstStyle/>
-                    <a:p>
-                      <a:pPr algn="l" rtl="0" fontAlgn="base"/>
-                      <a:endParaRPr lang="en-US" sz="800" b="0" i="0">
-                        <a:effectLst/>
-                        <a:latin typeface="+mn-lt"/>
-                      </a:endParaRPr>
-                    </a:p>
-                  </a:txBody>
-                  <a:tcPr marL="45720" marR="45720"/>
-                </a:tc>
-                <a:tc>
-                  <a:txBody>
-                    <a:bodyPr/>
-                    <a:lstStyle/>
-                    <a:p>
-                      <a:pPr algn="l" rtl="0" fontAlgn="base"/>
-                      <a:endParaRPr lang="en-US" sz="800" b="0" i="0">
-                        <a:effectLst/>
-                        <a:latin typeface="+mn-lt"/>
-                      </a:endParaRPr>
-                    </a:p>
-                  </a:txBody>
-                  <a:tcPr marL="45720" marR="45720"/>
-                </a:tc>
-                <a:tc>
-                  <a:txBody>
-                    <a:bodyPr/>
-                    <a:lstStyle/>
-                    <a:p>
-                      <a:pPr algn="l" rtl="0" fontAlgn="base"/>
-                      <a:endParaRPr lang="en-US" sz="800" b="0" i="0">
-                        <a:effectLst/>
-                        <a:latin typeface="+mn-lt"/>
-                      </a:endParaRPr>
-                    </a:p>
-                  </a:txBody>
-                  <a:tcPr marL="45720" marR="45720"/>
-                </a:tc>
-                <a:tc>
-                  <a:txBody>
-                    <a:bodyPr/>
-                    <a:lstStyle/>
-                    <a:p>
-                      <a:pPr algn="l" rtl="0" fontAlgn="base"/>
-                      <a:endParaRPr lang="en-US" sz="800" b="0" i="0">
-                        <a:effectLst/>
-                        <a:latin typeface="+mn-lt"/>
-                      </a:endParaRPr>
-                    </a:p>
-                  </a:txBody>
-                  <a:tcPr marL="45720" marR="45720"/>
-                </a:tc>
-                <a:tc>
-                  <a:txBody>
-                    <a:bodyPr/>
-                    <a:lstStyle/>
-                    <a:p>
-                      <a:pPr algn="l" rtl="0" fontAlgn="base"/>
-                      <a:endParaRPr lang="en-US" sz="800" b="0" i="0" dirty="0">
-                        <a:effectLst/>
-                        <a:latin typeface="+mn-lt"/>
-                      </a:endParaRPr>
-                    </a:p>
-                  </a:txBody>
-                  <a:tcPr marL="45720" marR="45720">
-                    <a:solidFill>
-                      <a:schemeClr val="accent5">
-                        <a:lumMod val="50000"/>
-                      </a:schemeClr>
-                    </a:solidFill>
-                  </a:tcPr>
-                </a:tc>
-                <a:tc>
-                  <a:txBody>
-                    <a:bodyPr/>
-                    <a:lstStyle/>
-                    <a:p>
-                      <a:pPr algn="l" rtl="0" fontAlgn="base"/>
-                      <a:endParaRPr lang="en-US" sz="800" b="0" i="0" dirty="0">
-                        <a:effectLst/>
-                        <a:latin typeface="+mn-lt"/>
-                      </a:endParaRPr>
-                    </a:p>
-                  </a:txBody>
-                  <a:tcPr marL="45720" marR="45720">
-                    <a:solidFill>
-                      <a:schemeClr val="accent5">
-                        <a:lumMod val="50000"/>
-                      </a:schemeClr>
-                    </a:solidFill>
-                  </a:tcPr>
-                </a:tc>
-                <a:tc>
-                  <a:txBody>
-                    <a:bodyPr/>
-                    <a:lstStyle/>
-                    <a:p>
-                      <a:pPr algn="l" rtl="0" fontAlgn="base"/>
-                      <a:endParaRPr lang="en-US" sz="800" b="0" i="0" dirty="0">
-                        <a:effectLst/>
-                        <a:latin typeface="+mn-lt"/>
-                      </a:endParaRPr>
-                    </a:p>
-                  </a:txBody>
-                  <a:tcPr marL="45720" marR="45720">
-                    <a:solidFill>
-                      <a:schemeClr val="accent5">
-                        <a:lumMod val="50000"/>
-                      </a:schemeClr>
-                    </a:solidFill>
-                  </a:tcPr>
-                </a:tc>
-                <a:tc>
-                  <a:txBody>
-                    <a:bodyPr/>
-                    <a:lstStyle/>
-                    <a:p>
-                      <a:pPr algn="l" rtl="0" fontAlgn="base"/>
-                      <a:endParaRPr lang="en-US" sz="800" b="0" i="0" dirty="0">
-                        <a:effectLst/>
-                        <a:latin typeface="+mn-lt"/>
-                      </a:endParaRPr>
-                    </a:p>
-                  </a:txBody>
-                  <a:tcPr marL="45720" marR="45720">
-                    <a:solidFill>
-                      <a:schemeClr val="accent5">
-                        <a:lumMod val="50000"/>
-                      </a:schemeClr>
-                    </a:solidFill>
-                  </a:tcPr>
-                </a:tc>
-                <a:tc>
-                  <a:txBody>
-                    <a:bodyPr/>
-                    <a:lstStyle/>
-                    <a:p>
-                      <a:pPr algn="l" rtl="0" fontAlgn="base"/>
-                      <a:endParaRPr lang="en-US" sz="800" b="0" i="0" dirty="0">
-                        <a:effectLst/>
-                        <a:latin typeface="+mn-lt"/>
-                      </a:endParaRPr>
-                    </a:p>
-                  </a:txBody>
-                  <a:tcPr marL="45720" marR="45720">
-                    <a:solidFill>
-                      <a:schemeClr val="accent5">
-                        <a:lumMod val="50000"/>
-                      </a:schemeClr>
-                    </a:solidFill>
-                  </a:tcPr>
-                </a:tc>
-                <a:tc>
-                  <a:txBody>
-                    <a:bodyPr/>
-                    <a:lstStyle/>
-                    <a:p>
-                      <a:pPr algn="l" rtl="0" fontAlgn="base"/>
-                      <a:r>
-                        <a:rPr lang="en-US" sz="800" dirty="0">
-                          <a:effectLst/>
-                          <a:latin typeface="+mn-lt"/>
-                        </a:rPr>
-                        <a:t> </a:t>
-                      </a:r>
-                      <a:endParaRPr lang="en-US" sz="800" b="0" i="0" dirty="0">
-                        <a:effectLst/>
-                        <a:latin typeface="+mn-lt"/>
-                      </a:endParaRPr>
-                    </a:p>
-                  </a:txBody>
-                  <a:tcPr marL="45720" marR="45720">
-                    <a:solidFill>
-                      <a:schemeClr val="accent5">
-                        <a:lumMod val="50000"/>
-                      </a:schemeClr>
-                    </a:solidFill>
-                  </a:tcPr>
-                </a:tc>
-                <a:extLst>
-                  <a:ext uri="{0D108BD9-81ED-4DB2-BD59-A6C34878D82A}">
-                    <a16:rowId xmlns:a16="http://schemas.microsoft.com/office/drawing/2014/main" val="3330572365"/>
-                  </a:ext>
-                </a:extLst>
-              </a:tr>
-            </a:tbl>
-          </a:graphicData>
-        </a:graphic>
-      </p:graphicFrame>
       <p:sp>
         <p:nvSpPr>
           <p:cNvPr id="6" name="AutoShape 2" descr="data:image/jpg;base64,%20/9j/4AAQSkZJRgABAQEAYABgAAD/2wBDAAUDBAQEAwUEBAQFBQUGBwwIBwcHBw8LCwkMEQ8SEhEPERETFhwXExQaFRERGCEYGh0dHx8fExciJCIeJBweHx7/2wBDAQUFBQcGBw4ICA4eFBEUHh4eHh4eHh4eHh4eHh4eHh4eHh4eHh4eHh4eHh4eHh4eHh4eHh4eHh4eHh4eHh4eHh7/wAARCAFBAc0DASIAAhEBAxEB/8QAHwAAAQUBAQEBAQEAAAAAAAAAAAECAwQFBgcICQoL/8QAtRAAAgEDAwIEAwUFBAQAAAF9AQIDAAQRBRIhMUEGE1FhByJxFDKBkaEII0KxwRVS0fAkM2JyggkKFhcYGRolJicoKSo0NTY3ODk6Q0RFRkdISUpTVFVWV1hZWmNkZWZnaGlqc3R1dnd4eXqDhIWGh4iJipKTlJWWl5iZmqKjpKWmp6ipqrKztLW2t7i5usLDxMXGx8jJytLT1NXW19jZ2uHi4+Tl5ufo6erx8vP09fb3+Pn6/8QAHwEAAwEBAQEBAQEBAQAAAAAAAAECAwQFBgcICQoL/8QAtREAAgECBAQDBAcFBAQAAQJ3AAECAxEEBSExBhJBUQdhcRMiMoEIFEKRobHBCSMzUvAVYnLRChYkNOEl8RcYGRomJygpKjU2Nzg5OkNERUZHSElKU1RVVldYWVpjZGVmZ2hpanN0dXZ3eHl6goOEhYaHiImKkpOUlZaXmJmaoqOkpaanqKmqsrO0tba3uLm6wsPExcbHyMnK0tPU1dbX2Nna4uPk5ebn6Onq8vP09fb3+Pn6/9oADAMBAAIRAxEAPwD7LooooAKKKKACiiigAooooAKKKKACiiigAooooAKKKKACiiigAooooAKKKKACiiigAooooAKKKKACiiigAooooAKKKKACiiigAooooAKKKKACiiigAooooAKKKKACiiigAooooAKKKKACiiigAooooAKKKKACiiigAooooAKKKKACiiigAooooAKKKwfGd5qmlWcWs2H762smL31qEy0sH8TIeoZB8wHcAjrgjKtU9lBzte3YaV3Y3qKis7iG8tIbq2kWWCZBJG6nhlIyCKlrSMlJKUXoxGX4n1ddG05LgRCaaa4itoIi23fJI4UDODjrn8K1K5fxO5uvGvhfS/L3Ij3GoSHsPKjEaj858/8AAa6iuelOU60+ysvna7/NFNaIKKKK6SQooooAKKKKACiiigAooooAKKKKACiiigAooooAKKKKACiiigAooooAKKKKACiiigAooooAKKKKACiiigAooooAKKKKACiiigAooooAKKKKACiiigAooooAKKKKACiiigCjrjatHZebo8drNcowYwzkqJV7qGH3WPYkEeo71B4e16z1lJY41ktry3IW5s5xtmgb/aHoezDIPY1q1i+IvD1vqssV9DM9hqtuCLa+hHzoD1Vh0dD3U8d+Dg1z1Y1U+em7+XR+nZ/h37lK2zNqiuc03xDPbXkWk+JoEsL6RtkFwh/0a7PbYx+6x/uNz6bhzXR1dKtGqtN1uuq9f69BNNHJeBv+JPqep+EZDiOzcXOngk/8espJC8/3HDr7ALXW1zHjCKCLV9J1iG+t7a/spCrpISfPtnwJE2rknkKynHDKB3NNuPHWix7/ACYr+52cHyrYkZ9MnHNeXHMMLgJSoYirGNtrtLR/5beljTklP3oofYB7r4k6pcFv3djYQWyj/admdj+WyumriPBmsaStzrWoiW5UX18s0zTBf9HPlpGqMFJKD5OrADk10mq67YafMlu5mnunAKW9vE0khB74HQe5wK68POFOm6kpL3m3fv29dLEyTbsadVr+/sbCMSX15b2qHo00oQH86xwviXVwrSMmgWpwTGhWa6YehblE/DcfcVa0zw3o+nzm6js1mvCu17u5JlnYehdsnHsOPatPbVan8ONl3en4b/fYVkty1p2r6XqTumn6laXbIMsIZlcqPfBq7TUjjTOxFXPoMU6t6aml77TfkrfqxO3QKKKKsQUUUUAFFFFABRRRQAUUUUAFFFFABRRRQAUUUUAFFFFABRRRQAUUUUAFFFFABRRRQAUUUUAFFFFABRRRQAUUUUAFFFFABRRRQAUUUUAFFFFABRRRQAUUUycyiFzCqNJg7Q7YBPucHH5Um7K4D6KyhceIe+l6Yfpfv/8AGqX7Tr3/AECbL/wPOP8A0XWH1mPVP/wF/wCRXKXNSsbPUrGWxv7aO5tpRteORcgj/PeuWRtX0GKfRjfC7iPz2U7sWnhg6ESZGGIYhVPJOcn7pzrz6nrluy7vDctwvc2t3G2PwfZmuc1fUHfWNWnuFeKK3Ft8rDDKnkySEH8f5V5WcY2OGwdXF00+eEZNaNdOt1qr62NKUOaSi9mZrL9rvpbaJ22IQbubdl5GPPl7uvTk+xA71pxqsaLHGoRFGAqjAFUfD8ZTR7d3JaWZfOlY93f5j+pwPYCr9fzDjMRUr1pTqS5m3q31fc+hhFJaGbrkMkcZ1WzCi+tUZhkcTR4+aJx/EpGeD3xXU/Du9F5oTqDuS2naGNs5Pl4DoCT12q4XPfGe9c/qk622m3M7kYSJjz3OOB+dWfhdBfx+FrmKzeOIrdbYmnjLAqiLGeAQeShPXvX6h4Y5niFVnhJNuFm0uzVtux52YU42Uup3dFYnl+LVb/j60R19Ps0qn/0M0uPFn97RP++Zf8a/ZPbv+R/18zy7eZtUVjRzeJ4iPPsNLuFyMmG5dGx7BkIP5itmqp1ee+jXqhNWCiiitRBRRRQAUUUUAFFFFABRRRQAUUUUAFFFFABRRRQAUUUUAFFFFABRRRQAUUUUAFFFFABRRRQAUUUUAFFFFABRRRQAUUUUAFFFFABRRRQAUUUUAFFFFABRRRQAUVR1DVbWzlW3O+e6YZS3hXfIffHYe5wPeqwh1i/5uZ102A4/dQENKfZnPA/4CPxrCVdX5Yq78v1ey/Mdi7f6lY2Clry6ih4ztJ+Yj2HU1zGvy2d5LLdozNYXUQtbpmiKCN8kxuSQDtOWQnnG5e2a6aw02xsQfstuqufvSHLSP7sxySfcmrMsccsbRSoro4KsrDIIPUEVnVoSxFOVOtblkmmtdmrb6fkNOzujzLQ7g28KaRffub61URMjceYF4DrnqCBnjocj3rRmmihXdNIqD/aNSaDpcHiLRpblfLS3W6ube3ilXzVCxTOikE84IXOOQM8YHFLq/hxtJ0C/1KF42ntbaSYJb26q0mxSwUE5xkjFfiGYeHWNdV1cE1Om7tXdmvW/6XPXp4+FrT3MHUjdapcxWdqrplgyLj5iezsOwHVQfvHB6Cu98F/2bHocVrplxDMluTHII2zsYcFSOoIxjmmeDrHTU0e01G0hO+7gSYyO25juUHr+NTap4d06+uxfKJbK/HS7tH8uUj0Yjhx7MCK+84S4Wnk1L6xdSnJedknro+763XkrHHicQqr5ehr0Vzx/4SrTBkfZtdgUdOLe4P0/gb6Hb9au6Lr2n6pI9vE0kF5GMy2lwhjmQZxkqeo9xke9faxxUeZRmnFvv+j2f33OTlNSiiiukkKKKKACiiigAooooAKKKKACiiigAooooAKKKKACiiigAooooAKKKKACiiigAooooAKKKKACiiigAooooAKKKKACiiigAooooAKKKKACiiigAooooAKKKKACiiigCtY2NpYhxawLGZGLSN1Zye5J5J+tWaKKmMVFWirIArO8T6g2k+HNS1ONBJJa2skyIf4mVSQPxOBWjXL/ABWcp4C1HaSC5ij/AAaVAf51liqjp0ZzXRN/gOKu0jR8G6f/AGZ4R0vT+jxWkaue+/blj9ckmpPDc0t1pI+1MZJA7o5bvgnrWkowoHoKitvsytJHb+WCrZkVMcMeefeueGHcJ0rSsoxcbd9vysac3uyVjmvhlI1vo1z4fmdmuNEunsiWGC0Q+aFvfMbJz6g1sa/PPara3MblY0uFEwHQqeOfxxWRqMculfEOw1GFGNrrMJsrrB4WaMNJE+PdRIpPstdPNHFLGUmRHQ9QwyKwhSlPDzw0ZWlHRP8AGPy2T9GOMlGak1dD6bsTzBJsXeBgNjnHpmm280U8KywOrxnoy9DjipK9SLUkmtUZNNOwUUUVQgooooAKKKKACiiigAooooAKKKKACiiigAooooAKKKKACiiigAooooAKKKKACiiigAooooAKKKKACiiigAooooAKKKKACiiigAooooAKKKKACiiigAooooAKKKKACiiigAqtqlhZ6nYvZX0Int5CpZCSAcEEdPcCrNFKUVJNNaAFZthDNFrmoMY2EUojdWxwTjB/kK0qqyXqR6pFYsh3Sxs6tnjjtXLio0+anObtyy09WnG34mtNytJJbr/g/oN1m6ks9Pkuo41kMeCQfTPJ/KrUbLJGrqcqwBB9qS4iSeCSGQZR1Kn6Gm2cC2trFbozMsahQWPOBVKNVYhyv7jS+TTf5p/gK8eS3W5S0G2ms0ubeRSIxOzQnPVTzWlVK4vWh1W2s2jHlzq2Hz/EO35VdqMFGlTg6NN3UHb062+5qw6rlJ80uoUUUV2GQUUUUAFFFFABRRRQAUUUUAFFFFABRRRQAUUUUAFFFFABRRRQAUUUUAFFFFABRRRQAUUUUAFFFFABRRRQAUUUUAFFFFABRRRQAUUUUAFFFFABRRRQAUUUUAFFFFABRRRQAUUUUAFU7qx87UrS9Em0wBgRj7wIxVys3xBcXFrb280D7R9oRZOOqk4x+eK48fKlGg51VdRs9PJpp/J6mtFSc0ovV6GlWTZb7fxFeW5DeXPGs6E9MjgitaoL66hs4hNNu2lwmQM4JPGfajF04vkqyly8jvfys0/wYU5PWKV76DL6yjupbaRmKvby+YpH8qtVFextNaSxKzKzIQCpwQcVU8O3DXOjW8jkl1XY+euV4P8AKhTp08V7NRs5q9+9rL8mgs5U+a+2n3mhRRRXYZBRRRQAUUUUAFFFFABRRRQAUUUUAFFFFABRRRQAUUUUAFFFFABRRRQAUUUUAFFFFABRRRQAUUUUAFFFFABRRRQAUUUUAFFFFABRRRQAUUUUAFFFFABRRRQAUUUUAFFFFABRRRQAVFdxwTQFblVaIYY7jxwc5qWquqx+dp1xDjJeJgB6nFY4h/upaX0enfyKh8S1LSkEAqQQehFVdXtPt2mz2uQDIuFJ7Ht+tRaNL/xLrSGY7LjyFzG3DcDBOKm1Fbp7VhZyrHOMFSwyDjsfrWEqkMRhG5RupR1S31W3qWk4VEr2s9yS1EiW0STFTIEAbHQnHOKbFcW5upLONgJY1DMgXGAe9cxaXmqX2sStND5cllFI6xgfxEYA9+9V9I8TWupa/Z3sACw3Cm1eQkACTlghyc5+U4rzKGbxq04Spxdubl13a0TflZ736J/LStSjRb9pLpfyv0Xz/U7aikor37nLcWikpRTGFFFFABRRRQAUUUUAFFFFABRRRQAUUUUAFFFFABRRRQAUUUUAFFFFABRRRQAUUUUAFFFFABRRRQAUUUUAFFFFABRRRQAUUUUAFFFFABRRRQAUUUUAFFFFABRRRQAUVkeIPEmjaFp17fX94oSxiEtxHEPMkRScA7FyeT7U3Sdei1jwmNesYLmCOWB5Yo7qIxuMA43KenSp5lflvqauhUVP2ji+W9r+e5s1Q1uye7t1a3kMdzCd8LZ7+h9jXBfBfxP4p8QQLfa2Wl0yewgmjuZrL7Li5cnfEmT+8QDBDY/OvQrG/stQSSSxuorhIpWhdo2DBXX7yn3FZ4ihCvTdOez/AK+9dCITcGpIzfD63F1dXGqXkRilbEKIR90L1/M1Jr+vW2kSJG9vPcyGNpnSEAmOJSA0hyegyOmTWvUD2sL3a3TLlxG0XIGCpIJ/lXNh8LLD0PZxleWrbfVt3bIxU51buno+nkcF8Rda8S6FpEXjCx+z/Y7e8h8+1RQ/nWTfKzO+MhgWDDacADnNYOp6jZyeIEGn24axsdVMrStH8lxeSIWQDB5EaZJ6c4rsZNGiWy1Lwbd3ck1nqcMzWAkT/UoRhogR1CkgjPODjnFcL8L4Xg0VbDWn81vDcd5cXjE7cSkGNAffyw5z7ivNzCFSpalF2bT+Uuv5p/I8SvWn9Yp06msXZtb6xabX3NP0R65pN3cTIY72ONJgNytGfllQ9GHce47Vfrxv4T6R4g8VabJ4x126nheYxjR4Q7KIIEYHIGejYxzyRz3r2SvUwVapVpKU420PQwtaVWPNytR6X3a810CjcFGWIAz3oqK7toLy1e2uYxJE/DKe9dnodaJqKxPsWraZk6bdfbbcdLa6b5lHosnX/vrP1qew1y0uJxa3CyWV5jm3uBtY/wC6ejD6GoVRbS0C5qUUUVoMKKKKACiiigAooooAKKKKACiiigAooooAKKKKACiiigAooooAKKKKACiiigAooooAKKKKACiiigAooooAKKKKACiiigAooooAKKKz73WtJs76KwuNQtkvZwxhtvMHmyYGTtXqeBSbS3KjCUnaKuaFNmkjhieaaRY40BZnY4CgdSTXA+G/HOueK9XMGj+EdSsdHMcg/tbUFEWHAO0rEeWGetL4V8BatDqUmr+MPF1/r93LC8LWoAis1Rxhl8odfqazVXmtyK53SwCo3WImotdN2/u0XndprsW7f4k+HdW1G+0nwvMdd1O1tnmEdsD5Tsv8Hm427j9ao6HZ/EbxJb6gvi6Sy8P6feWpigtdNlLXVu5I+cy9M4yMCu10bSdL0WyWz0nT7axt1GBHBGEH6VdpKnKXxv7thyxdGldYen21lrLTtsl9zfmcp4H+H/hnwes0mlWckl3cKFubu5laWabv8zN784rqZESSNo5FDIwKsD0IPanUVpGMYq0VY469erXm6lWTk31ZzniTwnaap4fsNDtHisLOyuIZUjWAOuyM5EYBPA6cjnirvhvSJNIivVkuxdNdXkl0SIRGE3YAUAegHXvWtSGqZkzP1n7U4tra0umtGnm2tMiKzKoVmOAwIycAcg9a4fXf+FqaH4ns72xubLxJ4b8wLd2otkivUQ8FlIwrEdcDGcYxXokkUckkcjrlo2LIfQkEfyJqSspQ5utjGdPm6tHNajcWPibRjcaLeK19ZSedbkErJFKnVWXgjIypB6g1wGjXc99YXE0CoL/xT4jCNbAq3k20LAyh8ccIrA+pYetb/wAVrR9Gls/F2mubeS3m2XQjQYcORhz+WD6hvam/B5bLU77XvEVpbxi3lv5Y7OVB8rITlivpk4ye+K8p1pyxcaUrcy/Jrf8ANfM8V15zxsaE7c0dfVNP3l16NW8zsNMVrfXL+16RuFmjHYDGCPzFa9V7u7itWhEu799II1IHAJ6ZqSeaK3haa4lSKJBlndgqqPUk124SnGipUoyvZt+nM27fjofR1ZOVpNf0tCSlFVNM1Cx1SzS9028t7y2fO2aCQOjY64I4q2K7EZp3CoL6ytL6Aw3lvHPH6Ouce49KnooaT0YzEFhqumD/AIld19rtx/y63bEkf7snX8Dmp7HXLWacWt0klhd/88bgbS3+6ejD6GtSoL2ztb2AwXcEc0Z/hcZ//VUcjj8LET0Vif2dqem86Td/aLcf8ul2xOB6I/UfjmprLXbWWcWt5HJp92ekNwMbv91ujfgaFUW0tAuatFZfijXtP8N6O+q6o8i2yMqHy0LsWY4AAHvWFL8R/DqWE1z/AKWJILqG2nt5IDHLE0pwhZWxx705VIxdmwudjRUKXlpJA06XUDQpndIJAVXHXJqjqviLQ9L05NRvtUtorR5ViWXeGUuxwBkVTaQzUoqs9/YoYg97bKZeYwZVG/6c806W9s4ZvJlu7eOXbu2NIA2PXHpRdAT0VC91aoqs9xCoZdykuBkeo9qqalruj6bp1zqF5qNtHbWv+vk3g7PY470NpAaNFc+fGGi/8JBbaP8AaBuuLM3kc+4CIoGA+9nrzWzPeWduqNPdQRLJ9wvIFDfTPWkpJ7MCeioZLu1jmSCS5hWWT7kZcBm+g71R0zXbG808XshayjMrxAXeIySpxxk9+1O6A1KKByMjkUUwCiiigAooooAKKKKACiiigAooooAKKKKACiiigAooooAKKKKACk3LjORilr4nn1zx6PgHrqRWVq2gf8JXIraodTcXSH7avyhMdM4H3uhoA+12G5SOxFch4V+GvhHw5qb6tZ6e1xqbuXN7eSGaYE9gzdB9K8j8ffFfxnpt94y1DStY0KwsvB9xbW66Rd2++41TeqFmDbgVzuwu0HkGpvGfxp17RrD4kEXWl2l7ol1p0ek29wgEhWdVLhlJy55PTpipcIyabWxtTxFWlGUISaUt7Pf1PoaivGdD8c+ML34oeMI7q/0+Hwt4VMLTW8VkZLq4EsAfAbdgYbJ6ZOcV7JE4kiSRc4ZQwyOeaoxHUUUUAFFFFABVW/uvIKRRR+dcy58qIHGcdST2UcZPuPWrVZ2pC8F2n9n20XnSLte5mPyRoM9FHLHPbj61Mr2Jne2hmahH42uHijs7jQbCMgebI8cs7g99q5Ufma5bxp4m8feFpTNLY6fqFj/BPBbSAfRxuOz9RVnxl4g8deEGOqSaZZeI9FX/AFy2kbQXMI9cFmVh+Vafwx+Ieg/EDTZp9L862urdtt1Y3ICzRehI7qexHFeZVtiP3UKjhNf1ts16Hj17Yq9GnVlTqL7/ALtmvQm8I69YeO/CUxkhjV3QwXluTuCMR+oPUVxfgTWrbwXof/CMr5fmWt9cecWfiKJW9e5wCfoCa3fH+japputf8Jf4cWXzPsZtr62twA0gDqyShcYYqNw9cN7Vwvw/8Ejx7rtx4t1e7tTpDXskj2Nu243Mwxy7DGIz12cnsT1rhxMsQ60KMH+9S+K1k49Wt9dPlcuFOcZwlN81SKavayd9n17fmdV4Vt/GvjGx/wCEjutfFjpd3IZrHTTZoT5XIjcvgMp6MOuRjPWugvfhz4f1fR5tO8SNf66twoWZry7c5IOcqFIC8jsBVnxp400HwYtjb6j52+6JSCC2i3MFUcnHYDgVy/iLxZ441HQ4rbwVob3F5ctzqEuwRW6Hp8pOS2PXj61s6mDw2I5ZNyqNeu2u3d3dvI2VSjTounKXPKnq1rKXveXnb5Gx4Q8DaT4H1a2svB1h/Z+lziWW/j813VmwoQjcTg5z07V3IrzzwLoHxGtZUn8Q+MBJGeZLY26Slj7NgbR7DNdtpN1NcLcR3MIimt52ibByHHBVx9VI+hyO1enhpXjzcrjfozXBy5o83K431s+mi6dNr/eXaKKK6jsCiiqWq6na6bGpmLPLIdsUMY3SSH0Uf5FJtJXYFuWRIo2kkdURRlmY4AFc7evL4mia1tIVTTScPdyx5Mn/AFyU/wDoZ/DNTx6bd6rItzrmFgBDRWCHKL6GQ/xn26D3rdUBQFUAAcACs2nU30X5i3OL+J/hm91nwCNB0bJlSWDYZJfmCowJO498Csbxb8Nlm8PzQae0+pahe39rNfT30+XkjjbkZ4AAGeBXptFEqEJXuFkeQa18PdaU69DpFnapps2p2t5BYCXZHcxov7yMgcLk/niqmp/DnWtR0LXZY9FsLM3WoW11ZaT5qlI1jxv+YDarOM9OK9qoqHhoMOVHjHiDwNr15d6wY/DVhcLqtrBHZO9yo/skqMFQMdAeQV61o/8ACE6yPGkMwsYp7OaNIdTubuRJVmQRbC0Yxvjc+mcV6tRR9Whe4cp4H4d8Ka/rmi+JrNnFz/ZdtJouju5Kh137mbJ742rn2rb1n4ZXk0eq2un6fZQwXegw24XeArXiNncR64/ir2BVCj5QB9KWksLC1mLlPJ18A3Opapp1xqHh2wt7S30KW0+ymRXWO4J4Ixxz1z2zWPcfD3xUbLRFvbc6hHBo/wBhmgS4i3Qybj8ymQEcjHI5GK9wopvDQYcqPKT4N1218W6PfaZYBvJit4bq4vriOdDEg5wCNyyDsV4NZl94C8SLoWnx2+mxzapa3N3JC8k8bwKJZMgSRuCGBHccivaaytY8R6LpGraZpOoXyQXuqyNHYwlSTMyjLAYHYc80PDQHyl+xWZLKBLjyxMsah/LHy7sc49qmooroGFFFFABRWd4k1zSvDmi3Gta3eJZ6fbKGmncEhATjnHPUiq+j+KdB1fWbrR9O1BZ7+0hjmuIQjBo0kGUJyO47UAbNFFFABRRRQAUUUUAFFFFABRRRQAUUUUAFFFFABWN/winhr+xpdG/sLT/7OlnNxJa+QvltKW3FyvTO4Zz61s0UAc9qvgnwfqeuwa9qXhrSbrU7fHlXc1srSLt6fMR27elU5vC/w88X3jeIJNE0DWrh18hrwwxzMQp+6W56EV1rAMCrAEHgg1wkHw7sPD+v3XiXwgZrC6kgk36Yk2yyuZSPlZ1x8uD6VEnJNWWh00KdGcZKpK0ummj8n29fvNTxX4K0rWfDniHS7WGDTbjXbfybq7ihG9jt2qzf3sDgZrorOH7PaQ2+7d5Uapn1wMVxngPxzdatdXWj+JtButA1mxjD3KyjNs6k4Dxy9CCe3Wu4FOE1NXROIw1TDz5Ki1+9fJrRhRRRVGAVBqMrwafczx43xxMy56ZAJqemyIskbRyKGRgVYHoQaAPNPgr4g8Wa5apqGuTTz6Zc6fBNHcXVoluRcsTvSML9+PGCGI/E16DpmpWOqQyTafdR3EccrQuyHgOvUVj+JvCdrq3h+w0S0kisLSzuIZUjWAOhWM5CYPQdORzxV3w/p9xo1hcjUdWa/eS4kuGuJY1j2q3RcDjCgAfhQwZqkAgggEHqDWFJ4O8NGaa4h0i3tLmb79xar5Mp/wCBLg9q4zx78YIvC4Xb4P8AEM6SFhFczW/k28mO4Y5P0yATTfg78ZtJ+IGoX2lyafJpN/aKHKyyApIpOPlJwcjjIx3rjlWw86ns5Wb9DgniMLUqexlZyt1RqaXdX/g/xkug6pfzX+k6ruksLm5k+e2ZQS0TE8EdCDx+NcT8MdfuNC8T+K9F0fS3uLFtYuLi2tLeIsQxJUgt0RCwBya9g8T6Jaa9pb2dyo3rloJf4opMEBh+ded/BO/XRvAOsXWq2yJqdnczm9hhIMjmM46fXIHqTXm1qVanWhTjPlhdtProtY/fr6aHHKnPD1FTjK0dWutlbVfJ3av38rHRT2Ok2EMfiD4g3WnSaiznyfNIEcGRkQxA/ePHuWP4VyWt3nxL8Q293qPgfS30CJpAtul6yRTXYHBcxup2Aehxmuxh8Pz+KNU0jxJ4nthbGwzNZaYr7hFI3R5T0ZwMYAGB71L4lu76y1GKeWFSUZ/IlQcFGGNp9xWOZ16WDoqvOL5U1qt+zk3utG7bX2e9j0MFl7xUnCLcU+2kpabt7/18in8OLD4mWCofGmtaTqiSKAyQweXJAcddwAD+4wPY9q7sVU0mOSLTbeOZ2eQRjczHJJq2K93DXdKLd9V11Z0xpql7id7dWFFQ3t1b2Vs9zdTJDEgyzMcCsf8A4mGvdfO07Sz2+7PcD/2Rf1PtWkp20W47kt5q01xcvYaLGlzcKdsszf6mD6kdW/2R+OKsaVpMNlI11LI93fSD95cy/eI9B/dX2FXLO1t7O2S3tYUiiQYVVGAKlpKGvNLcLEN9OLWxnuW24ijaQ7jgcDPJrxPwr8fZtUj8KX2o+EJLPTPFGpS6dYzRXolkEiEjeU2j5CQeQeK9J+LVrr+ofDjXNN8MW6T6veWb29sHlEaqzjbuLHsASa5r4OfCrw34M8LaBPdaJCuvadYLHJcTTGUwuR+8KEkqoJzyoFaDPTqo3+saTp8ohv8AVLG0kI3BJ7hUJHrgmuD+FPj3WPGfiTWYWXRX0axYxwXNrIxe4cMQSoJ5jGMb8DLZxwK2vGvg248Q6nFeRajYWwSLZtn0iC6Y85zukGR9KAOk0/VNM1Euun6jZ3hTG8QTrJtz64PFReKNUXQ/Depay6K62NrJcFWbaGCKWxnt0rH8DeFZ/Dct0819ZXXnhQBb6XDabcepj+9+NZnx+0jxL4h+FOteHvCdtHPqepQ/ZgZJhGqIx+diT/s5H40Acr4J+N9zrOp+C7bVvCUmmw+MYZZNNkjvBM6bOT5ibQVBHQjNezV594F+HnhnwToFrqVlottBrNnpawtc3MjStGFT5lDEnauQc7cV5o/x78Wroi6l/wAI9om06ONTIM8gwGufIiHt5nUenfNAH0ZRXi3iL4zX9r4uXR9PsdJEUeq2elyG5uCHkkmj8yR0xwEjXufvGt/wh8QdT8QfE3WfCkQ0NrTTGSYXUNwzNcQupwEHQsrAhiDt7daAPQrq+s7WWKK5uoYpJm2Rq7gF2wTgfgD+VWByMjkVwPxF+Gdn4y8QaZq1xqVzatZMMpFgB1APXj5uSOGyMZ45ruvJU232dsldmw444xjt0oAkrzzxR4f1e6+L+k+LriOIaHoOkXXlHeXkNzJjLeWBkgIuOOeao6F4W+HOt65rOjaeNZku9HmWG9B1G7VUdhuChi+Ccc8Vp3fw68C2bQLdNqMLXEoihDavcje56KP3nXg0AWvhH4g8QeJdEutS163itgbkraxC2eGQRAcGQN/EeuB0HB5rtK8o17w/8NNF8QW2h351pb65tJryNE1G7YeTEMyMSHwMcda2Ph34c8E6lYaZ4w8OLqjwTp51pJPfXJDKeASjvjH1FAHb3N9Z208MFxdQxSzMVjRnALkDOAPoM1Yrz/x98MrLxb4q03Xp9Subd7MjMceArAA4yMfNyf4sjHQVe+K8PhO28NHXPGEl5Hp+nYJe2nljI3EL0jILcketAFT45+F9Y8Z+ELbw5paxeRc6jbNqLPN5ZFskgZwp7scACuCv/D/irwR4Q8eapC91HrPiDWYo9OuIJnupoLfKRo7NgkbV3Mc8Cuo8M+GPhr4iW+/s6TVvO0+QR3kE2pXcctuxXcA6s+RkcijXvDPwz0TwjP4svJ9TOjwQiZ7iLVbpwUJxkAPk9e1AG18IZ/ENxYaxJrMl7JYjUXXSJL1Ns72wAAZuAcFtxGRnGK7ivKdC8O/DfWvEF5oVimum+sreG5uEe/u1EaSjKZJfGSO3Wu78LeFdH8NfaP7KS6X7Rt8zzruWbpnGN7HHXtQBt0UUUAFFFFABRRRQAUUUUAFFFFABRRRQAUUUUAFFFFAGb4m0LS/EmiXOjaxbC4srhdsibiucHIII5BB5rhorXxF8L/DVw1q2seM9OS5XyrdipuLO2wd2D1kwegr0uis501J8y0fc7MPjJ0o+ykuaDd3F7fLqn5r56GL4M8UaP4u0OPWNFneW3ZijB0KOjj7ysD0IrarjvH3gj/hIYbW40fWbzQNUsXeS0uLRsJvb73mR9HBxznms6fx9/wAIdLpOj+PjJHcXEA83WIrcrYmbP3M/wnGOvFT7Rw/iff0/4Bt9TjiNcK7t39z7SXra0tO2vkehUU2GSOaFJoZFkjdQyOpyGB6EGnVseaFQXNtDcPGZl3iM7lU/dz2JHfFT0hpMTI5xEYX+0BDFgl9+NuPfNcl4gbwHrXhxoLnVNHisrufyIrmGeJf344ARum8dMe+K6q9tYbyDyLhS0W4My9mwc4PqPaotRt7L+yZ4LiyjntBE2+3EQYOuPuhehz6VlUpxqRcZK6ZjWpxqRcZpNNa3OYj1LUPCFxFZ67dyajpMu2O0vvJCvCQv3JiDhixHDAD0xnmuV+Eeh22p+KPEXiI3M1zp/wDaMv2SM/LGzlyxcjPzEZAGenUCrvi7XbXRNS0vw5reizp4Y1uD7JI1w26C2bOFUuM7SQRwT24PFcZ8KtYvtC0fWvDmiW94dJ069ZIL2OMTXFwZHKpGingNhcliCAMmvGrzUcTDm1jFuytre3fqrHh166p4mEZXcU3pbX4fxXW/37HtfiPX7bR4o1WCa+vZnCQ2dthpZCT1x2UdSxwBVBtZumsZG8ReF7yziEqgeW6XICk8OdhyuO/Bqj4attd8O+GJZJNFtTMj7hawzNLcTBmyzPKeGfknpj6V196kslrKkDbZCuFOcYNepG9aL51o1s1/n/wPQ9mjUqS/earyt/T/AC9CaoL+aa3s5Jbe2e5lGNkSkAsScdT0HvU9KK6TpMay0mWa5TUNakW5uVO6KFR+5g/3R3P+0efpWzRRRGKjsMKKKKoApHVXQo6hlYYIIyCKp69qthoejXesapOLexs4mmnlIJCIBknA5pPD+r2GvaLaazpcxmsruMSwSFCu9D0ODzzQA7TdJ0vTS507TbOzL43+RCqbsdM4FXKKKACisnxd4j0fwnoM+u69eCz0+32+bMVLBckAcAE9SKr+E/GHh3xRLewaLqAnuLFlW6geNo5ISwyu5WAIBHINAG66rIjI6hlYEMpGQR6VRfRdHeB4H0mwaJ41iZDboVZFOQpGOg7CsvRvHPhbWX1xdL1aK7OgyGPUvLBIhYAkjpzwD0z0qp4S+JPgzxVe21nomsLPcXdubq1R4XjM8QOC6bgNwB64oA3ZdC0OaVppdH0+SRihLtbISdv3ecdu3pUtrpWl2s0c1rptnBLHH5UbxwqrKmc7QQOBnnFXKKACg9OOtNkkSMEuwGAWPPYVzGneNtJfSYdV1W6ttNtrx3NkJZPmkjU43H0z1x6EUAcA+l+M/APhHW7rT0F94l1/xBLd77S2a4jRHwF8zIyFRVGTg5xgda6bxP4GvPFCeHr6513U47q1mhmuvKne2VtqHcyxjOxyT+FaXjjxxb6FpmjXGm26anNrd4tpYjzdkZYoz7mbBwMIe1ZWp/FBLf4PW3xEtNDnuYZo0d7YzKhiy+w5Y9QD6DmgDnfiN8KfEHiXX9b1G31C3Afw6NH0h5rqUSQsz5llkKjnI479Oa29D0fVrD4jeGdFtlvbfQdA8OFJDGWW2nuCVRV9GKqpb/gVbep+LdWs/G2kaEmgpc22osf3sVzmSGMJuMzpjAQNheTkk8Vtx+I9Hk8TyeG0vFOqRwid4MHIQ989KANauG+M/hbWPGHh/T9J0trLyU1O3ur2O5dlE0UTh/LBAP3iBT7z4h2X23W7HT9PvLi50KMTX6yRFEWPJztfpvwCwU9QPcV0GpeJdC023trjUNTt7WO6QPCZWxvGM8fnQBx/h34c3UMHia+1nVpRrPiK6FxcSadK0KQqibI4kb7xUDqT19KxNY+FGrXHwl0/wPBqhuA9xanUzd3UjoYInDOkXGV3Yx2r0TWvEcFrYadPp4S9k1S4S3s8NhGLAncT/dABP4VyGl/FKTVviFqng3TdJimu9Ou/LkdrgqDAqgyygbecMwUKCST1xQBzGreDvEng/wAH+PbvTVnm1TxHqcS2Z055ZZba3+VFJJ+bKLuPFd18IbfX4LTWX1Zr8afJqDHSYr9y06W4VRls8jcwZgDyAateDviL4b8V6l/Z+lPdic2zXSia3KBo1kMbEE9cOMVftvGGh3ujavqen3sc8Wk+atycEBGjUkg5+lAHQUV5b4Y+L1rrOiaQzaebXWb27traezk3BYjNGZVIbHI8tSc4HvitN/i94MWGecXF48UQjcOlsxEsckxhWRPVfMBGaAO/orz+x+MHgq6F2xury3W0t5J5WmtWUYSXymA9W34UAdc8VYb4o+GV05bx11BN2otpixNbkOblRkpycZ/Hk8DmgDuKK5BvHVld3Gt2WjW011eaKpa7SVDGoIAZkz13bTxxg+tdNpV7BqWl2mo2pJguoUmiJ7qyhh+hoAs0UUUAFFFFABRRRQAUUUUAFFFFABRRRQAVW1OwstTsZbHUbSG7tZRtkimQMrD3BqzRQ9RqTi7rc8+1vw7430vxVHrXhDW4rjT5mjjutGv+IY4xhd0LDlMDt3rtNG1KPVLaSeGC5hWOZ4cTxGMsVOCwB/hPY96u0VEYcrdmdNbFOtCMZxV1pdaO3n39d/U8x+EnjrxD4q1MJe2trPYyW8szT21tJELSRZiiwszErISoJyuMYORyK9JimhmL+TKknluUfawO1h1B9DyOK5vXPCat4Efwv4eki06PgRFy5CDfubBVgwJyec8ZrX8P6fPp8FxHcSQu0lw0qmNSAFIAAOSeeOTVnKaNFZl3runWtw9vN9s3ocNsspnH4FUIP4VF/wAJJpX/AE//APgvuP8A4isnUgvtIfJLsTa9DpOo2U2i6o9q8d3GVaCVly49dp684/GvJvgH4WYS6ldXl3Oq2N1LaR28UmxGYMd7nHJOAAOemcV6g+vaI5Zmju2LDDE6ZOcj0+5WboMnhTRI5U0+1vI/NuJLhidOnJDuTnB2dOcfSuStSp1a0Kja92/XucFfAOtXp1ZL4b/idTbxrDCkSs7BBgF2LE/UnrUlY/8Awkmlf9P/AP4L7j/4ij/hJNK/6f8A/wAF9x/8RXX7Wn/MvvO/kl2NilFY3/CSaV/0/wD/AIL7j/4ip7HW9PvLlbeD7X5jZx5lnMg4HqygD86aqQb3Qcsl0NKiiitBBRRRQB51+0bp3iDXPhPqnh/w1p8t7e6oY7V1jIGyFnHmMSSP4QfzqX/hLE8O+K/D/wAO9N0lLpjZxB3W7RDaxKuNzqf93AHVjnHQ16BVM6Xpraj/AGk2n2hvcAfaDCvmcDA+bGelAGF8QNA1TXYrRdMngiMTMX8y5nhyCO3lMM/jUfw/8O6toT3jancQSibbs8u6uJsY6581jj8K62igDyz9pDw/r3i3w5ovhnR7G4mtbvWLd9TmiK/uLaNtzHnqcgcc9Kfrfg+78K6Pq8ng6G/v/Efia5jhvtVndXe3TGzzSOBtjTO1V716hRQB81af4J8eeGNL+LNhpWizXcmrW1vb6PNEiQrcEReW7bdx24ySSTz1rpfgn4A1nwv49/4ndjcXtjYaFa22h6hOy5tAVHn24Venz87sZI717hRQBzPxL0LWPEXhabTdD1h9JvGIKzrnOPT0/MGtjw/Z3VhotrZ3t4b25ijCyTkEGQ/3uSavUUAeD+CfBPi6++JlxrHjQayZrfWZ7qGWKVFtjb7dsMYbcWZNp5jAHPJzXsnhnR10LTf7NhuGltY5GNurLgxITnZnuASce1alFAGV4n8O6R4ksorTV7Xz0hmE0LBirxSDIDKw5BwSPxrNvvAXhe88OSeHZtPYaS6xqbVJnWPbH90AA8evHU8munooA5k+BPDh8Sw+I2t7k6lEkaCX7XLhhGCEDLu2tjJ6jvW+LO0F4bwWsIuSu0yhBvI9M9anooA5Bfh9olrp+p2ek+fYLqsjNfuJGdpQxy/3icFuhPpXWQRRwwpDEoWONQqqOwAwBT6KAMrxJo0esQWv79re5s7hbm2mUA7HXI5B6ggkEe9Y8Hw98NWl2uoafZ/ZdSje5miulkYsklwP3rYJ+YEgHB44FdbRQByHw08AaP4H0iC2tN11fJbLbzXsud8qglsYJO0ZYnA4ya3NQ0HR77SL7SZ7CEWd+jJdRxrs8wMMHJXB5rTooA5S0+HfhG1+yGHSgJLS6+1xyGVy5l8vy8sc5b5PlweMU2z+G/gy1hMMOixhPNhkALsdvlMWjUZPCqxJC9M11tFAHGSfC/wO8JhOiqEa2FsQszjKCXzR36iQls9c1Ivw18HizFl/Zrm0+1NdtbtcSGN5Swcsyk4PzAH6119FAHMP4J0qI6rPpxktL7VIhBc3jMZZDFknYu48D5mx6ZroNPtILCwt7G1TZBbxLFEv91VGAPyFT0UAFFFFABRRRQAUUUUAFFFFABRRRQAUUUUAFFFFABRRRQAUUUUAFFFFABRRRQAUUUUAFFQahKsOn3EzTi3EcTMZSu4RgAndjvjrXE/CPxNf+IrnxJHeaimoQWF9HDZzxxpteIwRtvEkfyMWJZto5TIU80Ad7RRWfo2r2er/AGprFnlht52tzNj5HdThwp7hTlSemQR2oA0KKKKACiiigAopszBIXcsFCqSWIzj3rz/4U+Kb7X/EXiWzm1mHV7GyFobK5hiQLIskZLtuTgEsPuH5lAGfvCgD0KiiigAoqhr2rW2i6edQvRILVGUTSIuREpON7f7I7nsOegq+CCAQQQehFABRRRQAUUUUAFFFFABRRRQAUUUUAFFFFABRRRQAUUUUAFFFFABRRRQAUUUUAFFFFABRRRQAUUUUAFFeQXuseOrv42z+BdN8UQxW0ehzancXH9nRt9neSbZbxhScnaoJOT83PToMrxv498WWuv8AxPfTNetrPTPB+jW0sG+0Rw146NIysTyQVVRj/bBFAHulFeNXfxR1O88Q+HdJLxaDap4aTxL4lvHi8z7NCyqBAgOcEsxJbBIC8d6v+LvHV5pvwnhvtA8RWusaxqNpc3Wm6jJaCOMwoGk85o+m1UCqOzMV/vYoA9Workfh/wCI7/V/hFoHim6tpNQ1C70e3u5obZVVppWiVmCgkKMknjIFLovi/VtQ1OCzn8A+JNOjlbDXNz9n8uPjq22Un8gaAOtorivHvj/TfDupnQRb3V3qb6Vc6nIkDKot7aFfmldmIAyxCjGST2rjfhr8Q7rR/ht4Ot/E8+pa/wCJNX0ebWp2wimK1UGQySE7VVQrIg7kn8aAPZ6K8usfjRpM1t4WvL3QNX02x8T2U11YXNyYggMcZk8t8OSCyAEHGDkc9azNT8cX1x8U/D13JqF9oWg2PhS51/XLCYISFYqsSSAZIZcs3ynnbigD2SivLLr40WMHhfVPEY8J+IHsNNsIb+WTZGoMcmSFDM4UyBQrFASRvUdeK1tG+KWjXi+KZdR0/UNHt/DVvFc3st2Ex5UkXmqQEYkNtwSpwRkUAd7RXlWpfGeytNN1q4fw7qVvJpnhtfEDC4eMDypCwijbaxKu20nGOB71g/EHxx4tgtPhasnn6brWrXBvtWsNPdMSW8NsZZov3hwFztG4kYweaAPc6K5jwj4003xF8O7DxvHb3NnYXtsLhY7gKJFUnAzgkc9sHkEVoeEPEFn4n0G31iwSaOGZQQkq4dcgHBH4igDzPxH47+Ien/GT/hB3j8K6XY6lF5ugX17BcSC9Kgb4SVcBZV647jpW14gn+M+maDfahZ/8IPfz21u80drHZ3atMVBOwHzDycYHHWt/4peCdN8e+E5dFvpJLa4R1uLC9iOJbO5TmOVD2IP5gkVm/BPxNr2v+HLux8VWYh17Q7x9Nv54sG3u5EA/fRMOMMCCV6q2QaALHj/xBqVh8Lm1K1iMGs38NvbWsWCCtzcMkajB5GGfP4V0+g6bbaNotnpNmpEFpCsKZ6kKMZPuetcd8Yf3l74Eti2BL4rtWI9dkU0g/VBSfGrxlqXhfTtE0zQIYpNd8RapFpdg8q7o4C/LzMO4RQTjucZ4zQB39FeFeO/iJqFjokOp+FfHtvqUA8T2Gj3ryacq/ZAdy3CkkAFicN0+Xp3pvh34jeNfFPirxH4bsprfT7t9Vsl0nFuHNrp7QrPLNKGHLNGQAD0eRQOBQB7vRVHStW07Upr23sbxLmXT5/st2F/5ZyhVYqffDKePWsz/AIS/S/8AhN18JBZzemAzbwB5Yx/DnPXHOKAOF+LXjzxv4R8f6JptvD4ds/DOsYtodX1CKZxDeHOIpdjqFDcbW6ZyDW+8PxgWNvLvfAZbBIBsroAn6+bXS+M/Dej+L/DF94c161W50+9iMcqHqPRlPZgcEHsQK4j4I6p4ksbvWPhz4qaTUL7w35QttXHK3tpICYTIR92YAYYHrgN3zQB13w51XWdb8EaVqniHT007VriHdd2yIyrFICQQA3zY44zXQVx3xs8S3XhD4UeJPEVhIsd9Z2TmzZlDDz2wsWQeD87LxWV8M734iXXie4XxJC40SPSLXEtxbpDI9+RmbYF58sAjr3zjigD0O4hiuLeS3njWSKVCjowyGUjBB/CuO+Ed3KNDv/D1zIXuPD2oS6blj8xiXDwE/WJ4/wBa7SvPvAn7v4w/EeBSdjNpk+OwZrYqf0jFAHoNFFFABRRRQAUUUUAFFFFABRRRQAUUUUAFFFFABRRRQAUUUUAFFFFABRRRQAUUUUAFFFFABRRRQBzukeDdI0zxvq/jG3e8fVNXhiguTLOWjCR/cCr/AA4yenqawv8AhUXhGS91a4uxqV5DrGoLqGo2lxds0FzMuNm9e6rhcLnHAyDXf0UAcb4z+G3hrxVeXV5fLe21xeac2l3UlncmEz2pbd5bY7A5wRg8mpD8O/D/APpKxtfRQz6KuiCFLgiOG0UYCxj+E46nqfwFddRQBh+HfCmi6J4MtPCENt9r0e1thapBeYmDRDojbh8wxxz2FR6b4H8FaZfRX2m+D/D1ldwndFPb6bDHIh9QyqCK6CigDjPGvwz8K+L9Wl1PWIbwzz6bJpdwILp4lntnYMUcKecMAR7+3FVL/wCEnhG+t7KG6OqOLTSpdI3fb5A01pIQWjkIPIyqkdMY9OK76igDzOX4XwX8+haLqsNpP4X8NXEV1piSTyTXU0qRbEEpYBVRcn5VzuwucYOdzXfht4W1rxFqeuajb3MtxqmmjTb2MXLLFNAAwAZBxkB2x9c9QK7CigDh7j4X+HLvwhN4Xv7rWb2wm+zrIbjUJGcpAwaNM9Ao2jOBkjqTWb4x+F1rd2XiQaCsfm+J5ov7Zt725kEM8IVUkVNoPlOUUANhsY6c16VRQB5L4X+Ddn/Z/i6DxZO14PEiQWrxxXUjtBawKFiXzmCs7ZyxO0AE4AwK6i5+Gvhe6vLW8u4725ntdMudMjklumY+VcHMrc/xnn5h0BwOOK7KigDG8HeG9O8K+GrTw/pjXL2VpGsUQuZjKwRQFVcnsAAMe1attBDbQJBbQxwwoAqRxqFVQOgAHAqSigDkPHWsahNeQeD/AA3L5etX6b5boLuXTrbOGnb/AGjyqL3bnopra0fTtJ8KeGo7K1C2unWELMzu2eBlnkdu7E5YseSSTXhM+ieEdd+L3jNNQ13xxpd99ocq+lazdIl0tvBE8g2xgAeX5yqqDJ69Sao+JfC3gqbwP4g1Kz1n4ta3Dp1k811Y3euXlqksWDuBM4CsMA5A3HHY0AerfFe4iutP8Ea7ZyrLZxeJbCfzh90xSh4g30PnL+ddN4u8K6R4oGntqSTLPpt2t5ZXEEhSWCUAjcp9wSCDkEGqGseH7bxJ8LP7At91tHcabEtsS2TCyqrRHPcqyqc+1ang7V21rw/b3c8RgvFHk3sB4MM68SIfoenqCCOCKAOWb4PeCJPBkfhK4s7ufTF1X+1pBJcsZJrneXLO3Vsk9PSug0XwX4f0fxjrXi6xsyur60sKXc7OT8kSBEVR0UYA4HU10NFAHmnw/wDAevaD47vPEeo3tpIl+LyS5it7mXBmluNyHYV2sFiWNM8EEN1zXo32a2+1/a/s8X2jZ5fm7Bv25ztz1xntUtFAHNePPENxpFrb6do8KXfiDU2MOnW7Z2hgPmlkx0iQfMx+gHJFW/Bnh638N6MLNJnurqaRri9vJP8AWXU7ffkb69AOgAAHArzT4qeHPBN98SoLjWNc8d2OuXViUhXRry5ij+zxhnYDyh0BXLe7L3IFc3J4S8I3WgavqGkeJPi/qEmm2jXD202u3toZFHUBp9q9ASec47HpQB654p0Hwz8UfB8dncXs91o8lwswezuDGJHifgEjqA69PVaX4p6Jr+v+FP7J8OzWUNzLNH5k91M6eXED85TarZfHA3DAJzzjFSfCXT9M0z4Z+HbTR4Jrew/s+KSCKabzXRXXfhnwNx+brgV1FAHIeBodXs9c1TSrmMw6Rp1rZ2unx/OwYiLdK/mNy/zMFyefkOR3Od8PlM/xS+I2orzF9rsbNWB43RWqsw/Ay12evapa6No91ql4xENvGWIAyzHoFUd2JIAHckCsb4aaNdaP4YB1JQup6hcS6hfgHO2aZi5TPfaCE/4DQB01FFFABRRRQAUUUUAFFFFABRRRQAUUUUAFFFFABRRRQAUUUUAFFFFABRRRQAUUUUAFFFFABRRRQAUUUUAFFFFABRRRQAUUUUAFFFFABRRRQAUUUUAFFFFAHOWvgfwvbaydYh0tRes9w7yGRzvM7BpdwJwwYqvBGOB6VZ1Hwr4evtHvtJk0m1is7+EwXSQRiIyxnqpK4OOTW1RQBDZW0VnZw2kAIihQRoCckKBgDNOjggjllmjhjSSYgyuqgFyBgEnvgcVJRQAUUUUAFFFFAGLL4W0SbxJJ4hms/M1GSFbd5HdiDGA2E25xt+ZuMYJOT0FSzeHdEewu7GPTba3hvIjDP9njERdCMFSVwcYzWrRQBV0jT7XSdLtdMsUMdraxLDChYttRRhRk88DirVFFAEVxb29x5f2iCKXy3Eke9A2xx0YZ6EetS0UUAFFFFABRRRQAUUUUAFFFFABRRRQAUUUUAFFFFABRRRQAUUUUAFFFFABRRRQAUUUUAFFFFABRRRQAUUUUAFFFFABRRRQAUUUUAFFFFABRRRQAUUUUAFFFFABRRRQAUUUUAFFFFABRRRQAUUUUAFFFFABRRRQAUUUUAFFFFABRRRQAUUUUAFFFFABRRRQAUUUUAFFFFABRRRQAUUUUAFFFFABRRRQAUUUUAFFFFABRRRQAUUUUAFFFFABRRRQAUUUUAFFFFABRRRQAUUUUAFFFFABRRRQAUUUUAFFFFABRRRQAUUUUAFFFFABRRRQAUUUUAFFFFABRRRQAUUUUAFFFFABRRRQAUUUUAFFFFABRRRQAUUUUAFFFFAH/2Q=="/>
@@ -6020,7 +3834,7 @@
           <a:p>
             <a:r>
               <a:rPr lang="en-US" sz="1600" dirty="0"/>
-              <a:t>Current models cannot simulate nutrient flow across watershed scales, which prevents accurate prediction of how native and nuisance species will spatially distribute themselves across a landscape. Objective: Incorporate nutrient flow into the Gridded Surface Sub-surface Hydrologic Analysis (GSSHA) model and couple the nutrient model with ERDC's multi-species vegetation model.</a:t>
+              <a:t>Current models cannot simulate nutrient flow across watershed scales, which prevents accurate prediction of how native and nuisance species will spatially distribute themselves across a landscape. Objective: Incorporate nutrient flow into the Gridded Surface Sub-surface Hydrologic Analysis (GSSHA) model and couple the nutrient model with ERDC's multi-species vegetation models.</a:t>
             </a:r>
             <a:endParaRPr lang="en-US" sz="1600" b="1" dirty="0"/>
           </a:p>
@@ -6714,6 +4528,42 @@
           </a:p>
         </p:txBody>
       </p:sp>
+      <p:pic>
+        <p:nvPicPr>
+          <p:cNvPr id="4" name="Picture 3" descr="Timeline&#10;&#10;Description automatically generated">
+            <a:extLst>
+              <a:ext uri="{FF2B5EF4-FFF2-40B4-BE49-F238E27FC236}">
+                <a16:creationId xmlns:a16="http://schemas.microsoft.com/office/drawing/2014/main" id="{E5413DBF-D114-0F42-9DB6-2066482832C9}"/>
+              </a:ext>
+            </a:extLst>
+          </p:cNvPr>
+          <p:cNvPicPr>
+            <a:picLocks noChangeAspect="1"/>
+          </p:cNvPicPr>
+          <p:nvPr/>
+        </p:nvPicPr>
+        <p:blipFill>
+          <a:blip r:embed="rId5">
+            <a:extLst>
+              <a:ext uri="{28A0092B-C50C-407E-A947-70E740481C1C}">
+                <a14:useLocalDpi xmlns:a14="http://schemas.microsoft.com/office/drawing/2010/main" val="0"/>
+              </a:ext>
+            </a:extLst>
+          </a:blip>
+          <a:stretch>
+            <a:fillRect/>
+          </a:stretch>
+        </p:blipFill>
+        <p:spPr>
+          <a:xfrm>
+            <a:off x="6550308" y="3937819"/>
+            <a:ext cx="5538395" cy="2334915"/>
+          </a:xfrm>
+          <a:prstGeom prst="rect">
+            <a:avLst/>
+          </a:prstGeom>
+        </p:spPr>
+      </p:pic>
     </p:spTree>
     <p:extLst>
       <p:ext uri="{BB962C8B-B14F-4D97-AF65-F5344CB8AC3E}">
@@ -6814,7 +4664,7 @@
         </p:nvSpPr>
         <p:spPr>
           <a:xfrm>
-            <a:off x="6096000" y="1339102"/>
+            <a:off x="6239836" y="1339102"/>
             <a:ext cx="5524241" cy="708570"/>
           </a:xfrm>
           <a:prstGeom prst="rect">
@@ -7519,7 +5369,7 @@
         <p:spPr>
           <a:xfrm>
             <a:off x="320364" y="1744998"/>
-            <a:ext cx="5159555" cy="1015663"/>
+            <a:ext cx="5258503" cy="1631216"/>
           </a:xfrm>
           <a:prstGeom prst="rect">
             <a:avLst/>
@@ -7533,31 +5383,40 @@
           <a:lstStyle/>
           <a:p>
             <a:pPr marL="285750" indent="-285750">
+              <a:spcAft>
+                <a:spcPts val="600"/>
+              </a:spcAft>
               <a:buFont typeface="Arial" panose="020B0604020202020204" pitchFamily="34" charset="0"/>
               <a:buChar char="•"/>
             </a:pPr>
             <a:r>
-              <a:rPr lang="en-US" sz="1500" dirty="0"/>
+              <a:rPr lang="en-US" dirty="0"/>
               <a:t>Data exchange between models</a:t>
             </a:r>
           </a:p>
           <a:p>
             <a:pPr marL="285750" indent="-285750">
+              <a:spcAft>
+                <a:spcPts val="600"/>
+              </a:spcAft>
               <a:buFont typeface="Arial" panose="020B0604020202020204" pitchFamily="34" charset="0"/>
               <a:buChar char="•"/>
             </a:pPr>
             <a:r>
-              <a:rPr lang="en-US" sz="1500" dirty="0"/>
+              <a:rPr lang="en-US" dirty="0"/>
               <a:t>Observed data for calibration/validation (flow, water quality, and vegetation)</a:t>
             </a:r>
           </a:p>
           <a:p>
             <a:pPr marL="742950" lvl="1" indent="-285750">
+              <a:spcAft>
+                <a:spcPts val="600"/>
+              </a:spcAft>
               <a:buFont typeface="Arial" panose="020B0604020202020204" pitchFamily="34" charset="0"/>
               <a:buChar char="•"/>
             </a:pPr>
             <a:r>
-              <a:rPr lang="en-US" sz="1500" dirty="0"/>
+              <a:rPr lang="en-US" dirty="0"/>
               <a:t>Use existing data, but may require travel in FY22-23</a:t>
             </a:r>
           </a:p>
@@ -7579,7 +5438,7 @@
         </p:nvSpPr>
         <p:spPr>
           <a:xfrm>
-            <a:off x="6208679" y="3767672"/>
+            <a:off x="6753201" y="3675206"/>
             <a:ext cx="3421201" cy="452432"/>
           </a:xfrm>
           <a:prstGeom prst="rect">
@@ -7780,14 +5639,14 @@
           <p:nvPr>
             <p:extLst>
               <p:ext uri="{D42A27DB-BD31-4B8C-83A1-F6EECF244321}">
-                <p14:modId xmlns:p14="http://schemas.microsoft.com/office/powerpoint/2010/main" val="311880763"/>
+                <p14:modId xmlns:p14="http://schemas.microsoft.com/office/powerpoint/2010/main" val="159508988"/>
               </p:ext>
             </p:extLst>
           </p:nvPr>
         </p:nvGraphicFramePr>
         <p:xfrm>
-          <a:off x="6211767" y="4272317"/>
-          <a:ext cx="4178650" cy="1752600"/>
+          <a:off x="6756289" y="4179851"/>
+          <a:ext cx="4178650" cy="1854200"/>
         </p:xfrm>
         <a:graphic>
           <a:graphicData uri="http://schemas.openxmlformats.org/drawingml/2006/table">
@@ -8064,12 +5923,6 @@
                         <a:t>FY22</a:t>
                       </a:r>
                     </a:p>
-                    <a:p>
-                      <a:r>
-                        <a:rPr lang="en-US" dirty="0"/>
-                        <a:t>FY23</a:t>
-                      </a:r>
-                    </a:p>
                   </a:txBody>
                   <a:tcPr/>
                 </a:tc>
@@ -8077,13 +5930,6 @@
                   <a:txBody>
                     <a:bodyPr/>
                     <a:lstStyle/>
-                    <a:p>
-                      <a:pPr algn="r"/>
-                      <a:r>
-                        <a:rPr lang="en-US" dirty="0"/>
-                        <a:t>75</a:t>
-                      </a:r>
-                    </a:p>
                     <a:p>
                       <a:pPr algn="r"/>
                       <a:r>
@@ -8105,6 +5951,13 @@
                         <a:t>75</a:t>
                       </a:r>
                     </a:p>
+                  </a:txBody>
+                  <a:tcPr/>
+                </a:tc>
+                <a:tc>
+                  <a:txBody>
+                    <a:bodyPr/>
+                    <a:lstStyle/>
                     <a:p>
                       <a:pPr algn="r"/>
                       <a:r>
@@ -8126,6 +5979,33 @@
                         <a:t>75</a:t>
                       </a:r>
                     </a:p>
+                  </a:txBody>
+                  <a:tcPr/>
+                </a:tc>
+                <a:extLst>
+                  <a:ext uri="{0D108BD9-81ED-4DB2-BD59-A6C34878D82A}">
+                    <a16:rowId xmlns:a16="http://schemas.microsoft.com/office/drawing/2014/main" val="1668911229"/>
+                  </a:ext>
+                </a:extLst>
+              </a:tr>
+              <a:tr h="370840">
+                <a:tc>
+                  <a:txBody>
+                    <a:bodyPr/>
+                    <a:lstStyle/>
+                    <a:p>
+                      <a:r>
+                        <a:rPr lang="en-US" dirty="0"/>
+                        <a:t>FY23</a:t>
+                      </a:r>
+                    </a:p>
+                  </a:txBody>
+                  <a:tcPr/>
+                </a:tc>
+                <a:tc>
+                  <a:txBody>
+                    <a:bodyPr/>
+                    <a:lstStyle/>
                     <a:p>
                       <a:pPr algn="r"/>
                       <a:r>
@@ -8147,13 +6027,33 @@
                         <a:t>75</a:t>
                       </a:r>
                     </a:p>
+                  </a:txBody>
+                  <a:tcPr/>
+                </a:tc>
+                <a:tc>
+                  <a:txBody>
+                    <a:bodyPr/>
+                    <a:lstStyle/>
                     <a:p>
                       <a:pPr algn="r"/>
                       <a:r>
-                        <a:rPr lang="en-US"/>
+                        <a:rPr lang="en-US" dirty="0"/>
                         <a:t>75</a:t>
                       </a:r>
-                      <a:endParaRPr lang="en-US" dirty="0"/>
+                    </a:p>
+                  </a:txBody>
+                  <a:tcPr/>
+                </a:tc>
+                <a:tc>
+                  <a:txBody>
+                    <a:bodyPr/>
+                    <a:lstStyle/>
+                    <a:p>
+                      <a:pPr algn="r"/>
+                      <a:r>
+                        <a:rPr lang="en-US" dirty="0"/>
+                        <a:t>75</a:t>
+                      </a:r>
                     </a:p>
                   </a:txBody>
                   <a:tcPr/>
@@ -8182,8 +6082,8 @@
         </p:nvSpPr>
         <p:spPr>
           <a:xfrm>
-            <a:off x="6096000" y="1977498"/>
-            <a:ext cx="5958624" cy="830997"/>
+            <a:off x="6239836" y="1854210"/>
+            <a:ext cx="5452155" cy="923330"/>
           </a:xfrm>
           <a:prstGeom prst="rect">
             <a:avLst/>
@@ -8197,7 +6097,7 @@
           <a:lstStyle/>
           <a:p>
             <a:r>
-              <a:rPr lang="en-US" sz="1600" dirty="0"/>
+              <a:rPr lang="en-US" dirty="0"/>
               <a:t>Integrating nutrient flow with multi-species vegetation models will enable accurate simulation of native and nuisance species distribution across watersheds.</a:t>
             </a:r>
           </a:p>
@@ -8231,7 +6131,7 @@
         </p:blipFill>
         <p:spPr>
           <a:xfrm>
-            <a:off x="2820631" y="4194016"/>
+            <a:off x="3837222" y="3161865"/>
             <a:ext cx="3159603" cy="2144193"/>
           </a:xfrm>
           <a:prstGeom prst="rect">
@@ -8255,8 +6155,8 @@
         </p:nvSpPr>
         <p:spPr>
           <a:xfrm>
-            <a:off x="287382" y="2812602"/>
-            <a:ext cx="5419735" cy="2453511"/>
+            <a:off x="287382" y="3490634"/>
+            <a:ext cx="5808618" cy="2957004"/>
           </a:xfrm>
           <a:prstGeom prst="rect">
             <a:avLst/>
@@ -8264,7 +6164,7 @@
         </p:spPr>
         <p:txBody>
           <a:bodyPr vert="horz" lIns="91440" tIns="45720" rIns="91440" bIns="45720" rtlCol="0">
-            <a:normAutofit/>
+            <a:normAutofit fontScale="92500" lnSpcReduction="20000"/>
           </a:bodyPr>
           <a:lstStyle>
             <a:lvl1pPr marL="228600" indent="-228600" algn="l" defTabSz="914400" rtl="0" eaLnBrk="1" latinLnBrk="0" hangingPunct="1">
@@ -8432,6 +6332,9 @@
           </a:lstStyle>
           <a:p>
             <a:pPr marL="0" indent="0">
+              <a:spcBef>
+                <a:spcPts val="600"/>
+              </a:spcBef>
               <a:buNone/>
             </a:pPr>
             <a:r>
@@ -8440,16 +6343,130 @@
             </a:r>
           </a:p>
           <a:p>
+            <a:pPr marL="285750" indent="-285750">
+              <a:lnSpc>
+                <a:spcPct val="100000"/>
+              </a:lnSpc>
+              <a:spcBef>
+                <a:spcPts val="600"/>
+              </a:spcBef>
+            </a:pPr>
+            <a:r>
+              <a:rPr lang="en-US" sz="1900" dirty="0"/>
+              <a:t>Data exchange between models</a:t>
+            </a:r>
+          </a:p>
+          <a:p>
+            <a:pPr marL="285750" indent="-285750">
+              <a:lnSpc>
+                <a:spcPct val="100000"/>
+              </a:lnSpc>
+              <a:spcBef>
+                <a:spcPts val="600"/>
+              </a:spcBef>
+            </a:pPr>
+            <a:r>
+              <a:rPr lang="en-US" sz="1900" dirty="0"/>
+              <a:t>Observed data for calibration/validation (flow, water quality, and vegetation)</a:t>
+            </a:r>
+          </a:p>
+          <a:p>
+            <a:pPr marL="742950" lvl="1" indent="-285750">
+              <a:lnSpc>
+                <a:spcPct val="100000"/>
+              </a:lnSpc>
+              <a:spcBef>
+                <a:spcPts val="600"/>
+              </a:spcBef>
+            </a:pPr>
+            <a:r>
+              <a:rPr lang="en-US" sz="1900" dirty="0"/>
+              <a:t>Use existing data, but may require travel in FY22-23</a:t>
+            </a:r>
+          </a:p>
+          <a:p>
+            <a:pPr marL="285750" indent="-285750">
+              <a:lnSpc>
+                <a:spcPct val="100000"/>
+              </a:lnSpc>
+              <a:spcBef>
+                <a:spcPts val="600"/>
+              </a:spcBef>
+            </a:pPr>
+            <a:r>
+              <a:rPr lang="en-US" sz="1900" dirty="0"/>
+              <a:t>Finish water temperature development and testing</a:t>
+            </a:r>
+          </a:p>
+          <a:p>
+            <a:pPr marL="285750" indent="-285750">
+              <a:lnSpc>
+                <a:spcPct val="100000"/>
+              </a:lnSpc>
+              <a:spcBef>
+                <a:spcPts val="600"/>
+              </a:spcBef>
+            </a:pPr>
+            <a:r>
+              <a:rPr lang="en-US" sz="1900" dirty="0"/>
+              <a:t>Complete in-stream nutrient kinetics development</a:t>
+            </a:r>
+          </a:p>
+          <a:p>
+            <a:pPr marL="285750" indent="-285750">
+              <a:lnSpc>
+                <a:spcPct val="100000"/>
+              </a:lnSpc>
+              <a:spcBef>
+                <a:spcPts val="600"/>
+              </a:spcBef>
+            </a:pPr>
+            <a:r>
+              <a:rPr lang="en-US" sz="1900" dirty="0"/>
+              <a:t>Complete overland and sub-surface nutrient kinetics</a:t>
+            </a:r>
+          </a:p>
+          <a:p>
+            <a:pPr marL="285750" indent="-285750">
+              <a:lnSpc>
+                <a:spcPct val="100000"/>
+              </a:lnSpc>
+              <a:spcBef>
+                <a:spcPts val="600"/>
+              </a:spcBef>
+            </a:pPr>
+            <a:r>
+              <a:rPr lang="en-US" sz="1900" dirty="0"/>
+              <a:t>Design and implement linkage of temperature and nutrient flow with the aquatic vegetation model</a:t>
+            </a:r>
+          </a:p>
+          <a:p>
+            <a:pPr marL="285750" indent="-285750">
+              <a:lnSpc>
+                <a:spcPct val="100000"/>
+              </a:lnSpc>
+              <a:spcBef>
+                <a:spcPts val="600"/>
+              </a:spcBef>
+            </a:pPr>
+            <a:endParaRPr lang="en-US" sz="1600" dirty="0"/>
+          </a:p>
+          <a:p>
+            <a:pPr marL="285750" indent="-285750">
+              <a:lnSpc>
+                <a:spcPct val="100000"/>
+              </a:lnSpc>
+              <a:spcBef>
+                <a:spcPts val="600"/>
+              </a:spcBef>
+            </a:pPr>
+            <a:endParaRPr lang="en-US" sz="2000" dirty="0"/>
+          </a:p>
+          <a:p>
             <a:pPr marL="0" indent="0">
-              <a:buNone/>
-            </a:pPr>
-            <a:r>
-              <a:rPr lang="en-US" sz="2400" i="1" dirty="0"/>
-              <a:t>Example: Finish sensitivity tests 1Q FY22…</a:t>
-            </a:r>
-          </a:p>
-          <a:p>
-            <a:pPr marL="0" indent="0">
+              <a:spcBef>
+                <a:spcPts val="600"/>
+              </a:spcBef>
               <a:buNone/>
             </a:pPr>
             <a:endParaRPr lang="en-US" b="1" dirty="0"/>
@@ -8810,14 +6827,32 @@
             </a:r>
           </a:p>
           <a:p>
-            <a:pPr marL="117475" indent="0">
-              <a:buNone/>
-            </a:pPr>
-            <a:r>
-              <a:rPr lang="en-US" sz="2000" i="1" dirty="0"/>
-              <a:t>Example: Leveraged ongoing projects to produce data…</a:t>
-            </a:r>
-            <a:endParaRPr lang="en-US" sz="2000" b="1" i="1" dirty="0"/>
+            <a:pPr marL="230188" lvl="1" indent="-230188"/>
+            <a:r>
+              <a:rPr lang="en-US" sz="1600" dirty="0"/>
+              <a:t>Implemented initial water temperature algorithm in GSSHA</a:t>
+            </a:r>
+          </a:p>
+          <a:p>
+            <a:pPr marL="230188" lvl="1" indent="-230188"/>
+            <a:r>
+              <a:rPr lang="en-US" sz="1600" dirty="0"/>
+              <a:t>Designed and developed programs to export GSSHA data to be used by the water quality and vegetation models</a:t>
+            </a:r>
+          </a:p>
+          <a:p>
+            <a:pPr marL="230188" lvl="1" indent="-230188"/>
+            <a:r>
+              <a:rPr lang="en-US" sz="1600" dirty="0"/>
+              <a:t>Developed streamlined versions of the Temperature and Nutrient simulation modules (TSM and NSM) in Python</a:t>
+            </a:r>
+          </a:p>
+          <a:p>
+            <a:pPr marL="230188" lvl="1" indent="-230188"/>
+            <a:r>
+              <a:rPr lang="en-US" sz="1600" dirty="0"/>
+              <a:t>Designed methodology for extending the ClearWater-Riverine modeling tool to handle GSSHA input data (geometry and flows) and link the data with the 2D water quality simulation capabilities and the aquatic and vegetation module</a:t>
+            </a:r>
           </a:p>
         </p:txBody>
       </p:sp>
@@ -9348,7 +7383,7 @@
         <p:spPr>
           <a:xfrm>
             <a:off x="106016" y="1969715"/>
-            <a:ext cx="6189153" cy="1614288"/>
+            <a:ext cx="5709157" cy="1835887"/>
           </a:xfrm>
           <a:prstGeom prst="rect">
             <a:avLst/>
@@ -9533,14 +7568,14 @@
             <a:pPr marL="230188" lvl="1" indent="-230188"/>
             <a:r>
               <a:rPr lang="en-US" sz="1600" dirty="0"/>
-              <a:t>FY21: GSSHA-WQ model capable of simulating overland and stream water temperature and nutrient flow; 4 technical notes</a:t>
+              <a:t>FY21-22: GSSHA-WQ model capable of simulating overland and stream water temperature and nutrient flow</a:t>
             </a:r>
           </a:p>
           <a:p>
             <a:pPr marL="230188" lvl="1" indent="-230188"/>
             <a:r>
               <a:rPr lang="en-US" sz="1600" dirty="0"/>
-              <a:t>FY22: GSSHA-WQ linked with aquatic plants model; 4 technical notes</a:t>
+              <a:t>FY22: GSSHA-WQ linked with aquatic plants model; 6 technical notes</a:t>
             </a:r>
           </a:p>
           <a:p>
@@ -9621,6 +7656,114 @@
           </a:p>
         </p:txBody>
       </p:sp>
+      <p:pic>
+        <p:nvPicPr>
+          <p:cNvPr id="3" name="Picture 2" descr="Graphical user interface, application&#10;&#10;Description automatically generated">
+            <a:extLst>
+              <a:ext uri="{FF2B5EF4-FFF2-40B4-BE49-F238E27FC236}">
+                <a16:creationId xmlns:a16="http://schemas.microsoft.com/office/drawing/2014/main" id="{1D1F95E8-21D1-214C-91E8-07DF5D196790}"/>
+              </a:ext>
+            </a:extLst>
+          </p:cNvPr>
+          <p:cNvPicPr>
+            <a:picLocks noChangeAspect="1"/>
+          </p:cNvPicPr>
+          <p:nvPr/>
+        </p:nvPicPr>
+        <p:blipFill>
+          <a:blip r:embed="rId4">
+            <a:extLst>
+              <a:ext uri="{28A0092B-C50C-407E-A947-70E740481C1C}">
+                <a14:useLocalDpi xmlns:a14="http://schemas.microsoft.com/office/drawing/2010/main" val="0"/>
+              </a:ext>
+            </a:extLst>
+          </a:blip>
+          <a:stretch>
+            <a:fillRect/>
+          </a:stretch>
+        </p:blipFill>
+        <p:spPr>
+          <a:xfrm>
+            <a:off x="350072" y="3913448"/>
+            <a:ext cx="4440543" cy="2497805"/>
+          </a:xfrm>
+          <a:prstGeom prst="rect">
+            <a:avLst/>
+          </a:prstGeom>
+        </p:spPr>
+      </p:pic>
+      <p:pic>
+        <p:nvPicPr>
+          <p:cNvPr id="8" name="Picture 7" descr="Chart, line chart&#10;&#10;Description automatically generated">
+            <a:extLst>
+              <a:ext uri="{FF2B5EF4-FFF2-40B4-BE49-F238E27FC236}">
+                <a16:creationId xmlns:a16="http://schemas.microsoft.com/office/drawing/2014/main" id="{56E24230-2A7B-C942-BD81-DAC370DC2E17}"/>
+              </a:ext>
+            </a:extLst>
+          </p:cNvPr>
+          <p:cNvPicPr>
+            <a:picLocks noChangeAspect="1"/>
+          </p:cNvPicPr>
+          <p:nvPr/>
+        </p:nvPicPr>
+        <p:blipFill>
+          <a:blip r:embed="rId5">
+            <a:extLst>
+              <a:ext uri="{28A0092B-C50C-407E-A947-70E740481C1C}">
+                <a14:useLocalDpi xmlns:a14="http://schemas.microsoft.com/office/drawing/2010/main" val="0"/>
+              </a:ext>
+            </a:extLst>
+          </a:blip>
+          <a:stretch>
+            <a:fillRect/>
+          </a:stretch>
+        </p:blipFill>
+        <p:spPr>
+          <a:xfrm>
+            <a:off x="9229886" y="4116033"/>
+            <a:ext cx="2702065" cy="2335453"/>
+          </a:xfrm>
+          <a:prstGeom prst="rect">
+            <a:avLst/>
+          </a:prstGeom>
+        </p:spPr>
+      </p:pic>
+      <p:pic>
+        <p:nvPicPr>
+          <p:cNvPr id="13" name="Picture 12" descr="Graphical user interface, application&#10;&#10;Description automatically generated">
+            <a:extLst>
+              <a:ext uri="{FF2B5EF4-FFF2-40B4-BE49-F238E27FC236}">
+                <a16:creationId xmlns:a16="http://schemas.microsoft.com/office/drawing/2014/main" id="{263436CC-1962-BF4C-A336-B0B36E1DA17F}"/>
+              </a:ext>
+            </a:extLst>
+          </p:cNvPr>
+          <p:cNvPicPr>
+            <a:picLocks noChangeAspect="1"/>
+          </p:cNvPicPr>
+          <p:nvPr/>
+        </p:nvPicPr>
+        <p:blipFill>
+          <a:blip r:embed="rId6">
+            <a:extLst>
+              <a:ext uri="{28A0092B-C50C-407E-A947-70E740481C1C}">
+                <a14:useLocalDpi xmlns:a14="http://schemas.microsoft.com/office/drawing/2010/main" val="0"/>
+              </a:ext>
+            </a:extLst>
+          </a:blip>
+          <a:stretch>
+            <a:fillRect/>
+          </a:stretch>
+        </p:blipFill>
+        <p:spPr>
+          <a:xfrm>
+            <a:off x="5003250" y="4161034"/>
+            <a:ext cx="4017120" cy="2259630"/>
+          </a:xfrm>
+          <a:prstGeom prst="rect">
+            <a:avLst/>
+          </a:prstGeom>
+        </p:spPr>
+      </p:pic>
     </p:spTree>
     <p:extLst>
       <p:ext uri="{BB962C8B-B14F-4D97-AF65-F5344CB8AC3E}">
